--- a/First_Draft_Presentation.pptx
+++ b/First_Draft_Presentation.pptx
@@ -2,7 +2,7 @@
 <file path=ppt/presentation.xml><?xml version="1.0" encoding="utf-8"?>
 <p:presentation xmlns:a="http://schemas.openxmlformats.org/drawingml/2006/main" xmlns:r="http://schemas.openxmlformats.org/officeDocument/2006/relationships" xmlns:p="http://schemas.openxmlformats.org/presentationml/2006/main" saveSubsetFonts="1">
   <p:sldMasterIdLst>
-    <p:sldMasterId id="2147483648" r:id="rId1"/>
+    <p:sldMasterId id="2147483660" r:id="rId1"/>
   </p:sldMasterIdLst>
   <p:sldIdLst>
     <p:sldId id="256" r:id="rId2"/>
@@ -22,7 +22,7 @@
     <a:defPPr>
       <a:defRPr lang="en-US"/>
     </a:defPPr>
-    <a:lvl1pPr marL="0" algn="l" defTabSz="914400" rtl="0" eaLnBrk="1" latinLnBrk="0" hangingPunct="1">
+    <a:lvl1pPr marL="0" algn="l" defTabSz="457200" rtl="0" eaLnBrk="1" latinLnBrk="0" hangingPunct="1">
       <a:defRPr sz="1800" kern="1200">
         <a:solidFill>
           <a:schemeClr val="tx1"/>
@@ -32,7 +32,7 @@
         <a:cs typeface="+mn-cs"/>
       </a:defRPr>
     </a:lvl1pPr>
-    <a:lvl2pPr marL="457200" algn="l" defTabSz="914400" rtl="0" eaLnBrk="1" latinLnBrk="0" hangingPunct="1">
+    <a:lvl2pPr marL="457200" algn="l" defTabSz="457200" rtl="0" eaLnBrk="1" latinLnBrk="0" hangingPunct="1">
       <a:defRPr sz="1800" kern="1200">
         <a:solidFill>
           <a:schemeClr val="tx1"/>
@@ -42,7 +42,7 @@
         <a:cs typeface="+mn-cs"/>
       </a:defRPr>
     </a:lvl2pPr>
-    <a:lvl3pPr marL="914400" algn="l" defTabSz="914400" rtl="0" eaLnBrk="1" latinLnBrk="0" hangingPunct="1">
+    <a:lvl3pPr marL="914400" algn="l" defTabSz="457200" rtl="0" eaLnBrk="1" latinLnBrk="0" hangingPunct="1">
       <a:defRPr sz="1800" kern="1200">
         <a:solidFill>
           <a:schemeClr val="tx1"/>
@@ -52,7 +52,7 @@
         <a:cs typeface="+mn-cs"/>
       </a:defRPr>
     </a:lvl3pPr>
-    <a:lvl4pPr marL="1371600" algn="l" defTabSz="914400" rtl="0" eaLnBrk="1" latinLnBrk="0" hangingPunct="1">
+    <a:lvl4pPr marL="1371600" algn="l" defTabSz="457200" rtl="0" eaLnBrk="1" latinLnBrk="0" hangingPunct="1">
       <a:defRPr sz="1800" kern="1200">
         <a:solidFill>
           <a:schemeClr val="tx1"/>
@@ -62,7 +62,7 @@
         <a:cs typeface="+mn-cs"/>
       </a:defRPr>
     </a:lvl4pPr>
-    <a:lvl5pPr marL="1828800" algn="l" defTabSz="914400" rtl="0" eaLnBrk="1" latinLnBrk="0" hangingPunct="1">
+    <a:lvl5pPr marL="1828800" algn="l" defTabSz="457200" rtl="0" eaLnBrk="1" latinLnBrk="0" hangingPunct="1">
       <a:defRPr sz="1800" kern="1200">
         <a:solidFill>
           <a:schemeClr val="tx1"/>
@@ -72,7 +72,7 @@
         <a:cs typeface="+mn-cs"/>
       </a:defRPr>
     </a:lvl5pPr>
-    <a:lvl6pPr marL="2286000" algn="l" defTabSz="914400" rtl="0" eaLnBrk="1" latinLnBrk="0" hangingPunct="1">
+    <a:lvl6pPr marL="2286000" algn="l" defTabSz="457200" rtl="0" eaLnBrk="1" latinLnBrk="0" hangingPunct="1">
       <a:defRPr sz="1800" kern="1200">
         <a:solidFill>
           <a:schemeClr val="tx1"/>
@@ -82,7 +82,7 @@
         <a:cs typeface="+mn-cs"/>
       </a:defRPr>
     </a:lvl6pPr>
-    <a:lvl7pPr marL="2743200" algn="l" defTabSz="914400" rtl="0" eaLnBrk="1" latinLnBrk="0" hangingPunct="1">
+    <a:lvl7pPr marL="2743200" algn="l" defTabSz="457200" rtl="0" eaLnBrk="1" latinLnBrk="0" hangingPunct="1">
       <a:defRPr sz="1800" kern="1200">
         <a:solidFill>
           <a:schemeClr val="tx1"/>
@@ -92,7 +92,7 @@
         <a:cs typeface="+mn-cs"/>
       </a:defRPr>
     </a:lvl7pPr>
-    <a:lvl8pPr marL="3200400" algn="l" defTabSz="914400" rtl="0" eaLnBrk="1" latinLnBrk="0" hangingPunct="1">
+    <a:lvl8pPr marL="3200400" algn="l" defTabSz="457200" rtl="0" eaLnBrk="1" latinLnBrk="0" hangingPunct="1">
       <a:defRPr sz="1800" kern="1200">
         <a:solidFill>
           <a:schemeClr val="tx1"/>
@@ -102,7 +102,7 @@
         <a:cs typeface="+mn-cs"/>
       </a:defRPr>
     </a:lvl8pPr>
-    <a:lvl9pPr marL="3657600" algn="l" defTabSz="914400" rtl="0" eaLnBrk="1" latinLnBrk="0" hangingPunct="1">
+    <a:lvl9pPr marL="3657600" algn="l" defTabSz="457200" rtl="0" eaLnBrk="1" latinLnBrk="0" hangingPunct="1">
       <a:defRPr sz="1800" kern="1200">
         <a:solidFill>
           <a:schemeClr val="tx1"/>
@@ -132,9 +132,23 @@
 </p:presentation>
 </file>
 
+<file path=ppt/revisionInfo.xml><?xml version="1.0" encoding="utf-8"?>
+<p1510:revInfo xmlns:a="http://schemas.openxmlformats.org/drawingml/2006/main" xmlns:r="http://schemas.openxmlformats.org/officeDocument/2006/relationships" xmlns:p1510="http://schemas.microsoft.com/office/powerpoint/2015/10/main"/>
+</file>
+
 <file path=ppt/slideLayouts/slideLayout1.xml><?xml version="1.0" encoding="utf-8"?>
-<p:sldLayout xmlns:a="http://schemas.openxmlformats.org/drawingml/2006/main" xmlns:r="http://schemas.openxmlformats.org/officeDocument/2006/relationships" xmlns:p="http://schemas.openxmlformats.org/presentationml/2006/main" type="title" preserve="1">
+<p:sldLayout xmlns:a="http://schemas.openxmlformats.org/drawingml/2006/main" xmlns:r="http://schemas.openxmlformats.org/officeDocument/2006/relationships" xmlns:p="http://schemas.openxmlformats.org/presentationml/2006/main" showMasterSp="0" type="title" preserve="1">
   <p:cSld name="Title Slide">
+    <p:bg>
+      <p:bgPr>
+        <a:solidFill>
+          <a:schemeClr val="bg2">
+            <a:lumMod val="75000"/>
+          </a:schemeClr>
+        </a:solidFill>
+        <a:effectLst/>
+      </p:bgPr>
+    </p:bg>
     <p:spTree>
       <p:nvGrpSpPr>
         <p:cNvPr id="1" name=""/>
@@ -161,18 +175,32 @@
         </p:nvSpPr>
         <p:spPr>
           <a:xfrm>
-            <a:off x="685800" y="2130425"/>
-            <a:ext cx="7772400" cy="1470025"/>
+            <a:off x="946404" y="758952"/>
+            <a:ext cx="7063740" cy="4041648"/>
           </a:xfrm>
         </p:spPr>
         <p:txBody>
-          <a:bodyPr/>
-          <a:lstStyle/>
+          <a:bodyPr anchor="b">
+            <a:normAutofit/>
+          </a:bodyPr>
+          <a:lstStyle>
+            <a:lvl1pPr algn="l">
+              <a:lnSpc>
+                <a:spcPct val="85000"/>
+              </a:lnSpc>
+              <a:defRPr sz="6600" baseline="0">
+                <a:solidFill>
+                  <a:schemeClr val="tx1"/>
+                </a:solidFill>
+              </a:defRPr>
+            </a:lvl1pPr>
+          </a:lstStyle>
           <a:p>
             <a:r>
               <a:rPr lang="en-US"/>
               <a:t>Click to edit Master title style</a:t>
             </a:r>
+            <a:endParaRPr lang="en-US" dirty="0"/>
           </a:p>
         </p:txBody>
       </p:sp>
@@ -188,168 +216,194 @@
         </p:nvSpPr>
         <p:spPr>
           <a:xfrm>
-            <a:off x="1371600" y="3886200"/>
-            <a:ext cx="6400800" cy="1752600"/>
+            <a:off x="946404" y="4800600"/>
+            <a:ext cx="7063740" cy="1691640"/>
           </a:xfrm>
         </p:spPr>
         <p:txBody>
-          <a:bodyPr/>
+          <a:bodyPr>
+            <a:normAutofit/>
+          </a:bodyPr>
           <a:lstStyle>
-            <a:lvl1pPr marL="0" indent="0" algn="ctr">
-              <a:buNone/>
-              <a:defRPr>
+            <a:lvl1pPr marL="0" indent="0" algn="l">
+              <a:buNone/>
+              <a:defRPr sz="2000" baseline="0">
                 <a:solidFill>
                   <a:schemeClr val="tx1">
-                    <a:tint val="75000"/>
+                    <a:lumMod val="85000"/>
                   </a:schemeClr>
                 </a:solidFill>
               </a:defRPr>
             </a:lvl1pPr>
             <a:lvl2pPr marL="457200" indent="0" algn="ctr">
               <a:buNone/>
+              <a:defRPr sz="2000"/>
+            </a:lvl2pPr>
+            <a:lvl3pPr marL="914400" indent="0" algn="ctr">
+              <a:buNone/>
+              <a:defRPr sz="2000"/>
+            </a:lvl3pPr>
+            <a:lvl4pPr marL="1371600" indent="0" algn="ctr">
+              <a:buNone/>
+              <a:defRPr sz="2000"/>
+            </a:lvl4pPr>
+            <a:lvl5pPr marL="1828800" indent="0" algn="ctr">
+              <a:buNone/>
+              <a:defRPr sz="2000"/>
+            </a:lvl5pPr>
+            <a:lvl6pPr marL="2286000" indent="0" algn="ctr">
+              <a:buNone/>
+              <a:defRPr sz="2000"/>
+            </a:lvl6pPr>
+            <a:lvl7pPr marL="2743200" indent="0" algn="ctr">
+              <a:buNone/>
+              <a:defRPr sz="2000"/>
+            </a:lvl7pPr>
+            <a:lvl8pPr marL="3200400" indent="0" algn="ctr">
+              <a:buNone/>
+              <a:defRPr sz="2000"/>
+            </a:lvl8pPr>
+            <a:lvl9pPr marL="3657600" indent="0" algn="ctr">
+              <a:buNone/>
+              <a:defRPr sz="2000"/>
+            </a:lvl9pPr>
+          </a:lstStyle>
+          <a:p>
+            <a:r>
+              <a:rPr lang="en-US"/>
+              <a:t>Click to edit Master subtitle style</a:t>
+            </a:r>
+            <a:endParaRPr lang="en-US" dirty="0"/>
+          </a:p>
+        </p:txBody>
+      </p:sp>
+      <p:sp>
+        <p:nvSpPr>
+          <p:cNvPr id="7" name="Rectangle 6"/>
+          <p:cNvSpPr/>
+          <p:nvPr/>
+        </p:nvSpPr>
+        <p:spPr>
+          <a:xfrm>
+            <a:off x="0" y="0"/>
+            <a:ext cx="342900" cy="6858000"/>
+          </a:xfrm>
+          <a:prstGeom prst="rect">
+            <a:avLst/>
+          </a:prstGeom>
+          <a:solidFill>
+            <a:schemeClr val="accent1"/>
+          </a:solidFill>
+          <a:ln>
+            <a:noFill/>
+          </a:ln>
+        </p:spPr>
+        <p:style>
+          <a:lnRef idx="2">
+            <a:schemeClr val="accent1">
+              <a:shade val="50000"/>
+            </a:schemeClr>
+          </a:lnRef>
+          <a:fillRef idx="1">
+            <a:schemeClr val="accent1"/>
+          </a:fillRef>
+          <a:effectRef idx="0">
+            <a:schemeClr val="accent1"/>
+          </a:effectRef>
+          <a:fontRef idx="minor">
+            <a:schemeClr val="lt1"/>
+          </a:fontRef>
+        </p:style>
+      </p:sp>
+      <p:sp>
+        <p:nvSpPr>
+          <p:cNvPr id="8" name="Date Placeholder 7"/>
+          <p:cNvSpPr>
+            <a:spLocks noGrp="1"/>
+          </p:cNvSpPr>
+          <p:nvPr>
+            <p:ph type="dt" sz="half" idx="10"/>
+          </p:nvPr>
+        </p:nvSpPr>
+        <p:spPr/>
+        <p:txBody>
+          <a:bodyPr/>
+          <a:lstStyle>
+            <a:lvl1pPr>
               <a:defRPr>
                 <a:solidFill>
-                  <a:schemeClr val="tx1">
-                    <a:tint val="75000"/>
+                  <a:schemeClr val="bg2">
+                    <a:lumMod val="20000"/>
+                    <a:lumOff val="80000"/>
                   </a:schemeClr>
                 </a:solidFill>
               </a:defRPr>
-            </a:lvl2pPr>
-            <a:lvl3pPr marL="914400" indent="0" algn="ctr">
-              <a:buNone/>
+            </a:lvl1pPr>
+          </a:lstStyle>
+          <a:p>
+            <a:fld id="{1E757FCD-8316-467A-88CE-C750D97C0723}" type="datetimeFigureOut">
+              <a:rPr lang="en-US" smtClean="0"/>
+              <a:t>2/28/2018</a:t>
+            </a:fld>
+            <a:endParaRPr lang="en-US"/>
+          </a:p>
+        </p:txBody>
+      </p:sp>
+      <p:sp>
+        <p:nvSpPr>
+          <p:cNvPr id="9" name="Footer Placeholder 8"/>
+          <p:cNvSpPr>
+            <a:spLocks noGrp="1"/>
+          </p:cNvSpPr>
+          <p:nvPr>
+            <p:ph type="ftr" sz="quarter" idx="11"/>
+          </p:nvPr>
+        </p:nvSpPr>
+        <p:spPr/>
+        <p:txBody>
+          <a:bodyPr/>
+          <a:lstStyle>
+            <a:lvl1pPr>
               <a:defRPr>
                 <a:solidFill>
-                  <a:schemeClr val="tx1">
-                    <a:tint val="75000"/>
+                  <a:schemeClr val="bg2">
+                    <a:lumMod val="20000"/>
+                    <a:lumOff val="80000"/>
                   </a:schemeClr>
                 </a:solidFill>
               </a:defRPr>
-            </a:lvl3pPr>
-            <a:lvl4pPr marL="1371600" indent="0" algn="ctr">
-              <a:buNone/>
+            </a:lvl1pPr>
+          </a:lstStyle>
+          <a:p>
+            <a:endParaRPr lang="en-US"/>
+          </a:p>
+        </p:txBody>
+      </p:sp>
+      <p:sp>
+        <p:nvSpPr>
+          <p:cNvPr id="10" name="Slide Number Placeholder 9"/>
+          <p:cNvSpPr>
+            <a:spLocks noGrp="1"/>
+          </p:cNvSpPr>
+          <p:nvPr>
+            <p:ph type="sldNum" sz="quarter" idx="12"/>
+          </p:nvPr>
+        </p:nvSpPr>
+        <p:spPr/>
+        <p:txBody>
+          <a:bodyPr/>
+          <a:lstStyle>
+            <a:lvl1pPr>
               <a:defRPr>
                 <a:solidFill>
-                  <a:schemeClr val="tx1">
-                    <a:tint val="75000"/>
+                  <a:schemeClr val="bg2">
+                    <a:lumMod val="60000"/>
+                    <a:lumOff val="40000"/>
                   </a:schemeClr>
                 </a:solidFill>
               </a:defRPr>
-            </a:lvl4pPr>
-            <a:lvl5pPr marL="1828800" indent="0" algn="ctr">
-              <a:buNone/>
-              <a:defRPr>
-                <a:solidFill>
-                  <a:schemeClr val="tx1">
-                    <a:tint val="75000"/>
-                  </a:schemeClr>
-                </a:solidFill>
-              </a:defRPr>
-            </a:lvl5pPr>
-            <a:lvl6pPr marL="2286000" indent="0" algn="ctr">
-              <a:buNone/>
-              <a:defRPr>
-                <a:solidFill>
-                  <a:schemeClr val="tx1">
-                    <a:tint val="75000"/>
-                  </a:schemeClr>
-                </a:solidFill>
-              </a:defRPr>
-            </a:lvl6pPr>
-            <a:lvl7pPr marL="2743200" indent="0" algn="ctr">
-              <a:buNone/>
-              <a:defRPr>
-                <a:solidFill>
-                  <a:schemeClr val="tx1">
-                    <a:tint val="75000"/>
-                  </a:schemeClr>
-                </a:solidFill>
-              </a:defRPr>
-            </a:lvl7pPr>
-            <a:lvl8pPr marL="3200400" indent="0" algn="ctr">
-              <a:buNone/>
-              <a:defRPr>
-                <a:solidFill>
-                  <a:schemeClr val="tx1">
-                    <a:tint val="75000"/>
-                  </a:schemeClr>
-                </a:solidFill>
-              </a:defRPr>
-            </a:lvl8pPr>
-            <a:lvl9pPr marL="3657600" indent="0" algn="ctr">
-              <a:buNone/>
-              <a:defRPr>
-                <a:solidFill>
-                  <a:schemeClr val="tx1">
-                    <a:tint val="75000"/>
-                  </a:schemeClr>
-                </a:solidFill>
-              </a:defRPr>
-            </a:lvl9pPr>
+            </a:lvl1pPr>
           </a:lstStyle>
-          <a:p>
-            <a:r>
-              <a:rPr lang="en-US"/>
-              <a:t>Click to edit Master subtitle style</a:t>
-            </a:r>
-          </a:p>
-        </p:txBody>
-      </p:sp>
-      <p:sp>
-        <p:nvSpPr>
-          <p:cNvPr id="4" name="Date Placeholder 3"/>
-          <p:cNvSpPr>
-            <a:spLocks noGrp="1"/>
-          </p:cNvSpPr>
-          <p:nvPr>
-            <p:ph type="dt" sz="half" idx="10"/>
-          </p:nvPr>
-        </p:nvSpPr>
-        <p:spPr/>
-        <p:txBody>
-          <a:bodyPr/>
-          <a:lstStyle/>
-          <a:p>
-            <a:fld id="{1E757FCD-8316-467A-88CE-C750D97C0723}" type="datetimeFigureOut">
-              <a:rPr lang="en-US" smtClean="0"/>
-              <a:t>2/27/2018</a:t>
-            </a:fld>
-            <a:endParaRPr lang="en-US"/>
-          </a:p>
-        </p:txBody>
-      </p:sp>
-      <p:sp>
-        <p:nvSpPr>
-          <p:cNvPr id="5" name="Footer Placeholder 4"/>
-          <p:cNvSpPr>
-            <a:spLocks noGrp="1"/>
-          </p:cNvSpPr>
-          <p:nvPr>
-            <p:ph type="ftr" sz="quarter" idx="11"/>
-          </p:nvPr>
-        </p:nvSpPr>
-        <p:spPr/>
-        <p:txBody>
-          <a:bodyPr/>
-          <a:lstStyle/>
-          <a:p>
-            <a:endParaRPr lang="en-US"/>
-          </a:p>
-        </p:txBody>
-      </p:sp>
-      <p:sp>
-        <p:nvSpPr>
-          <p:cNvPr id="6" name="Slide Number Placeholder 5"/>
-          <p:cNvSpPr>
-            <a:spLocks noGrp="1"/>
-          </p:cNvSpPr>
-          <p:nvPr>
-            <p:ph type="sldNum" sz="quarter" idx="12"/>
-          </p:nvPr>
-        </p:nvSpPr>
-        <p:spPr/>
-        <p:txBody>
-          <a:bodyPr/>
-          <a:lstStyle/>
           <a:p>
             <a:fld id="{10368472-2D06-4C2D-A667-67F52EEF3A75}" type="slidenum">
               <a:rPr lang="en-US" smtClean="0"/>
@@ -362,12 +416,12 @@
     </p:spTree>
     <p:extLst>
       <p:ext uri="{BB962C8B-B14F-4D97-AF65-F5344CB8AC3E}">
-        <p14:creationId xmlns:p14="http://schemas.microsoft.com/office/powerpoint/2010/main" val="1269866674"/>
+        <p14:creationId xmlns:p14="http://schemas.microsoft.com/office/powerpoint/2010/main" val="4204823113"/>
       </p:ext>
     </p:extLst>
   </p:cSld>
   <p:clrMapOvr>
-    <a:masterClrMapping/>
+    <a:overrideClrMapping bg1="dk1" tx1="lt1" bg2="dk2" tx2="lt2" accent1="accent1" accent2="accent2" accent3="accent3" accent4="accent4" accent5="accent5" accent6="accent6" hlink="hlink" folHlink="folHlink"/>
   </p:clrMapOvr>
 </p:sldLayout>
 </file>
@@ -408,6 +462,7 @@
               <a:rPr lang="en-US"/>
               <a:t>Click to edit Master title style</a:t>
             </a:r>
+            <a:endParaRPr lang="en-US" dirty="0"/>
           </a:p>
         </p:txBody>
       </p:sp>
@@ -429,7 +484,7 @@
             <a:pPr lvl="0"/>
             <a:r>
               <a:rPr lang="en-US"/>
-              <a:t>Click to edit Master text styles</a:t>
+              <a:t>Edit Master text styles</a:t>
             </a:r>
           </a:p>
           <a:p>
@@ -459,6 +514,7 @@
               <a:rPr lang="en-US"/>
               <a:t>Fifth level</a:t>
             </a:r>
+            <a:endParaRPr lang="en-US" dirty="0"/>
           </a:p>
         </p:txBody>
       </p:sp>
@@ -479,7 +535,7 @@
           <a:p>
             <a:fld id="{1E757FCD-8316-467A-88CE-C750D97C0723}" type="datetimeFigureOut">
               <a:rPr lang="en-US" smtClean="0"/>
-              <a:t>2/27/2018</a:t>
+              <a:t>2/28/2018</a:t>
             </a:fld>
             <a:endParaRPr lang="en-US"/>
           </a:p>
@@ -530,7 +586,7 @@
     </p:spTree>
     <p:extLst>
       <p:ext uri="{BB962C8B-B14F-4D97-AF65-F5344CB8AC3E}">
-        <p14:creationId xmlns:p14="http://schemas.microsoft.com/office/powerpoint/2010/main" val="584144391"/>
+        <p14:creationId xmlns:p14="http://schemas.microsoft.com/office/powerpoint/2010/main" val="3756364588"/>
       </p:ext>
     </p:extLst>
   </p:cSld>
@@ -569,8 +625,8 @@
         </p:nvSpPr>
         <p:spPr>
           <a:xfrm>
-            <a:off x="6629400" y="274638"/>
-            <a:ext cx="2057400" cy="5851525"/>
+            <a:off x="6486525" y="381000"/>
+            <a:ext cx="1857375" cy="5897562"/>
           </a:xfrm>
         </p:spPr>
         <p:txBody>
@@ -581,6 +637,7 @@
               <a:rPr lang="en-US"/>
               <a:t>Click to edit Master title style</a:t>
             </a:r>
+            <a:endParaRPr lang="en-US" dirty="0"/>
           </a:p>
         </p:txBody>
       </p:sp>
@@ -596,8 +653,8 @@
         </p:nvSpPr>
         <p:spPr>
           <a:xfrm>
-            <a:off x="457200" y="274638"/>
-            <a:ext cx="6019800" cy="5851525"/>
+            <a:off x="571500" y="381000"/>
+            <a:ext cx="5800725" cy="5897562"/>
           </a:xfrm>
         </p:spPr>
         <p:txBody>
@@ -607,7 +664,7 @@
             <a:pPr lvl="0"/>
             <a:r>
               <a:rPr lang="en-US"/>
-              <a:t>Click to edit Master text styles</a:t>
+              <a:t>Edit Master text styles</a:t>
             </a:r>
           </a:p>
           <a:p>
@@ -637,6 +694,7 @@
               <a:rPr lang="en-US"/>
               <a:t>Fifth level</a:t>
             </a:r>
+            <a:endParaRPr lang="en-US" dirty="0"/>
           </a:p>
         </p:txBody>
       </p:sp>
@@ -657,7 +715,7 @@
           <a:p>
             <a:fld id="{1E757FCD-8316-467A-88CE-C750D97C0723}" type="datetimeFigureOut">
               <a:rPr lang="en-US" smtClean="0"/>
-              <a:t>2/27/2018</a:t>
+              <a:t>2/28/2018</a:t>
             </a:fld>
             <a:endParaRPr lang="en-US"/>
           </a:p>
@@ -708,7 +766,7 @@
     </p:spTree>
     <p:extLst>
       <p:ext uri="{BB962C8B-B14F-4D97-AF65-F5344CB8AC3E}">
-        <p14:creationId xmlns:p14="http://schemas.microsoft.com/office/powerpoint/2010/main" val="792681803"/>
+        <p14:creationId xmlns:p14="http://schemas.microsoft.com/office/powerpoint/2010/main" val="1655511814"/>
       </p:ext>
     </p:extLst>
   </p:cSld>
@@ -754,6 +812,7 @@
               <a:rPr lang="en-US"/>
               <a:t>Click to edit Master title style</a:t>
             </a:r>
+            <a:endParaRPr lang="en-US" dirty="0"/>
           </a:p>
         </p:txBody>
       </p:sp>
@@ -775,7 +834,7 @@
             <a:pPr lvl="0"/>
             <a:r>
               <a:rPr lang="en-US"/>
-              <a:t>Click to edit Master text styles</a:t>
+              <a:t>Edit Master text styles</a:t>
             </a:r>
           </a:p>
           <a:p>
@@ -805,6 +864,7 @@
               <a:rPr lang="en-US"/>
               <a:t>Fifth level</a:t>
             </a:r>
+            <a:endParaRPr lang="en-US" dirty="0"/>
           </a:p>
         </p:txBody>
       </p:sp>
@@ -825,7 +885,7 @@
           <a:p>
             <a:fld id="{1E757FCD-8316-467A-88CE-C750D97C0723}" type="datetimeFigureOut">
               <a:rPr lang="en-US" smtClean="0"/>
-              <a:t>2/27/2018</a:t>
+              <a:t>2/28/2018</a:t>
             </a:fld>
             <a:endParaRPr lang="en-US"/>
           </a:p>
@@ -876,7 +936,7 @@
     </p:spTree>
     <p:extLst>
       <p:ext uri="{BB962C8B-B14F-4D97-AF65-F5344CB8AC3E}">
-        <p14:creationId xmlns:p14="http://schemas.microsoft.com/office/powerpoint/2010/main" val="1365027677"/>
+        <p14:creationId xmlns:p14="http://schemas.microsoft.com/office/powerpoint/2010/main" val="1859968701"/>
       </p:ext>
     </p:extLst>
   </p:cSld>
@@ -915,15 +975,20 @@
         </p:nvSpPr>
         <p:spPr>
           <a:xfrm>
-            <a:off x="722313" y="4406900"/>
-            <a:ext cx="7772400" cy="1362075"/>
+            <a:off x="946404" y="758952"/>
+            <a:ext cx="7063740" cy="4041648"/>
           </a:xfrm>
         </p:spPr>
         <p:txBody>
-          <a:bodyPr anchor="t"/>
+          <a:bodyPr anchor="b">
+            <a:normAutofit/>
+          </a:bodyPr>
           <a:lstStyle>
-            <a:lvl1pPr algn="l">
-              <a:defRPr sz="4000" b="1" cap="all"/>
+            <a:lvl1pPr>
+              <a:lnSpc>
+                <a:spcPct val="85000"/>
+              </a:lnSpc>
+              <a:defRPr sz="6600" b="0"/>
             </a:lvl1pPr>
           </a:lstStyle>
           <a:p>
@@ -931,6 +996,7 @@
               <a:rPr lang="en-US"/>
               <a:t>Click to edit Master title style</a:t>
             </a:r>
+            <a:endParaRPr lang="en-US" dirty="0"/>
           </a:p>
         </p:txBody>
       </p:sp>
@@ -946,19 +1012,22 @@
         </p:nvSpPr>
         <p:spPr>
           <a:xfrm>
-            <a:off x="722313" y="2906713"/>
-            <a:ext cx="7772400" cy="1500187"/>
+            <a:off x="946404" y="4800600"/>
+            <a:ext cx="7063740" cy="1691640"/>
           </a:xfrm>
         </p:spPr>
         <p:txBody>
-          <a:bodyPr anchor="b"/>
+          <a:bodyPr anchor="t">
+            <a:normAutofit/>
+          </a:bodyPr>
           <a:lstStyle>
             <a:lvl1pPr marL="0" indent="0">
               <a:buNone/>
               <a:defRPr sz="2000">
                 <a:solidFill>
                   <a:schemeClr val="tx1">
-                    <a:tint val="75000"/>
+                    <a:lumMod val="75000"/>
+                    <a:lumOff val="25000"/>
                   </a:schemeClr>
                 </a:solidFill>
               </a:defRPr>
@@ -1048,7 +1117,7 @@
             <a:pPr lvl="0"/>
             <a:r>
               <a:rPr lang="en-US"/>
-              <a:t>Click to edit Master text styles</a:t>
+              <a:t>Edit Master text styles</a:t>
             </a:r>
           </a:p>
         </p:txBody>
@@ -1070,7 +1139,7 @@
           <a:p>
             <a:fld id="{1E757FCD-8316-467A-88CE-C750D97C0723}" type="datetimeFigureOut">
               <a:rPr lang="en-US" smtClean="0"/>
-              <a:t>2/27/2018</a:t>
+              <a:t>2/28/2018</a:t>
             </a:fld>
             <a:endParaRPr lang="en-US"/>
           </a:p>
@@ -1118,10 +1187,48 @@
           </a:p>
         </p:txBody>
       </p:sp>
+      <p:sp>
+        <p:nvSpPr>
+          <p:cNvPr id="7" name="Rectangle 6"/>
+          <p:cNvSpPr/>
+          <p:nvPr/>
+        </p:nvSpPr>
+        <p:spPr>
+          <a:xfrm>
+            <a:off x="0" y="0"/>
+            <a:ext cx="342900" cy="6858000"/>
+          </a:xfrm>
+          <a:prstGeom prst="rect">
+            <a:avLst/>
+          </a:prstGeom>
+          <a:solidFill>
+            <a:schemeClr val="accent1"/>
+          </a:solidFill>
+          <a:ln>
+            <a:noFill/>
+          </a:ln>
+        </p:spPr>
+        <p:style>
+          <a:lnRef idx="2">
+            <a:schemeClr val="accent1">
+              <a:shade val="50000"/>
+            </a:schemeClr>
+          </a:lnRef>
+          <a:fillRef idx="1">
+            <a:schemeClr val="accent1"/>
+          </a:fillRef>
+          <a:effectRef idx="0">
+            <a:schemeClr val="accent1"/>
+          </a:effectRef>
+          <a:fontRef idx="minor">
+            <a:schemeClr val="lt1"/>
+          </a:fontRef>
+        </p:style>
+      </p:sp>
     </p:spTree>
     <p:extLst>
       <p:ext uri="{BB962C8B-B14F-4D97-AF65-F5344CB8AC3E}">
-        <p14:creationId xmlns:p14="http://schemas.microsoft.com/office/powerpoint/2010/main" val="4103084355"/>
+        <p14:creationId xmlns:p14="http://schemas.microsoft.com/office/powerpoint/2010/main" val="3475234597"/>
       </p:ext>
     </p:extLst>
   </p:cSld>
@@ -1167,6 +1274,7 @@
               <a:rPr lang="en-US"/>
               <a:t>Click to edit Master title style</a:t>
             </a:r>
+            <a:endParaRPr lang="en-US" dirty="0"/>
           </a:p>
         </p:txBody>
       </p:sp>
@@ -1182,46 +1290,46 @@
         </p:nvSpPr>
         <p:spPr>
           <a:xfrm>
-            <a:off x="457200" y="1600200"/>
-            <a:ext cx="4038600" cy="4525963"/>
+            <a:off x="946404" y="1828801"/>
+            <a:ext cx="3360420" cy="4351337"/>
           </a:xfrm>
         </p:spPr>
         <p:txBody>
           <a:bodyPr/>
           <a:lstStyle>
             <a:lvl1pPr>
-              <a:defRPr sz="2800"/>
+              <a:defRPr sz="1800"/>
             </a:lvl1pPr>
             <a:lvl2pPr>
-              <a:defRPr sz="2400"/>
+              <a:defRPr sz="1600"/>
             </a:lvl2pPr>
             <a:lvl3pPr>
-              <a:defRPr sz="2000"/>
+              <a:defRPr sz="1400"/>
             </a:lvl3pPr>
             <a:lvl4pPr>
-              <a:defRPr sz="1800"/>
+              <a:defRPr sz="1400"/>
             </a:lvl4pPr>
             <a:lvl5pPr>
-              <a:defRPr sz="1800"/>
+              <a:defRPr sz="1400"/>
             </a:lvl5pPr>
             <a:lvl6pPr>
-              <a:defRPr sz="1800"/>
+              <a:defRPr sz="1400"/>
             </a:lvl6pPr>
             <a:lvl7pPr>
-              <a:defRPr sz="1800"/>
+              <a:defRPr sz="1400"/>
             </a:lvl7pPr>
             <a:lvl8pPr>
-              <a:defRPr sz="1800"/>
+              <a:defRPr sz="1400"/>
             </a:lvl8pPr>
             <a:lvl9pPr>
-              <a:defRPr sz="1800"/>
+              <a:defRPr sz="1400"/>
             </a:lvl9pPr>
           </a:lstStyle>
           <a:p>
             <a:pPr lvl="0"/>
             <a:r>
               <a:rPr lang="en-US"/>
-              <a:t>Click to edit Master text styles</a:t>
+              <a:t>Edit Master text styles</a:t>
             </a:r>
           </a:p>
           <a:p>
@@ -1251,6 +1359,7 @@
               <a:rPr lang="en-US"/>
               <a:t>Fifth level</a:t>
             </a:r>
+            <a:endParaRPr lang="en-US" dirty="0"/>
           </a:p>
         </p:txBody>
       </p:sp>
@@ -1266,46 +1375,46 @@
         </p:nvSpPr>
         <p:spPr>
           <a:xfrm>
-            <a:off x="4648200" y="1600200"/>
-            <a:ext cx="4038600" cy="4525963"/>
+            <a:off x="4594860" y="1828801"/>
+            <a:ext cx="3360420" cy="4351337"/>
           </a:xfrm>
         </p:spPr>
         <p:txBody>
           <a:bodyPr/>
           <a:lstStyle>
             <a:lvl1pPr>
-              <a:defRPr sz="2800"/>
+              <a:defRPr sz="1800"/>
             </a:lvl1pPr>
             <a:lvl2pPr>
-              <a:defRPr sz="2400"/>
+              <a:defRPr sz="1600"/>
             </a:lvl2pPr>
             <a:lvl3pPr>
-              <a:defRPr sz="2000"/>
+              <a:defRPr sz="1400"/>
             </a:lvl3pPr>
             <a:lvl4pPr>
-              <a:defRPr sz="1800"/>
+              <a:defRPr sz="1400"/>
             </a:lvl4pPr>
             <a:lvl5pPr>
-              <a:defRPr sz="1800"/>
+              <a:defRPr sz="1400"/>
             </a:lvl5pPr>
             <a:lvl6pPr>
-              <a:defRPr sz="1800"/>
+              <a:defRPr sz="1400"/>
             </a:lvl6pPr>
             <a:lvl7pPr>
-              <a:defRPr sz="1800"/>
+              <a:defRPr sz="1400"/>
             </a:lvl7pPr>
             <a:lvl8pPr>
-              <a:defRPr sz="1800"/>
+              <a:defRPr sz="1400"/>
             </a:lvl8pPr>
             <a:lvl9pPr>
-              <a:defRPr sz="1800"/>
+              <a:defRPr sz="1400"/>
             </a:lvl9pPr>
           </a:lstStyle>
           <a:p>
             <a:pPr lvl="0"/>
             <a:r>
               <a:rPr lang="en-US"/>
-              <a:t>Click to edit Master text styles</a:t>
+              <a:t>Edit Master text styles</a:t>
             </a:r>
           </a:p>
           <a:p>
@@ -1335,6 +1444,7 @@
               <a:rPr lang="en-US"/>
               <a:t>Fifth level</a:t>
             </a:r>
+            <a:endParaRPr lang="en-US" dirty="0"/>
           </a:p>
         </p:txBody>
       </p:sp>
@@ -1355,7 +1465,7 @@
           <a:p>
             <a:fld id="{1E757FCD-8316-467A-88CE-C750D97C0723}" type="datetimeFigureOut">
               <a:rPr lang="en-US" smtClean="0"/>
-              <a:t>2/27/2018</a:t>
+              <a:t>2/28/2018</a:t>
             </a:fld>
             <a:endParaRPr lang="en-US"/>
           </a:p>
@@ -1406,7 +1516,7 @@
     </p:spTree>
     <p:extLst>
       <p:ext uri="{BB962C8B-B14F-4D97-AF65-F5344CB8AC3E}">
-        <p14:creationId xmlns:p14="http://schemas.microsoft.com/office/powerpoint/2010/main" val="40851389"/>
+        <p14:creationId xmlns:p14="http://schemas.microsoft.com/office/powerpoint/2010/main" val="35477955"/>
       </p:ext>
     </p:extLst>
   </p:cSld>
@@ -1435,7 +1545,7 @@
       </p:grpSpPr>
       <p:sp>
         <p:nvSpPr>
-          <p:cNvPr id="2" name="Title 1"/>
+          <p:cNvPr id="10" name="Title 9"/>
           <p:cNvSpPr>
             <a:spLocks noGrp="1"/>
           </p:cNvSpPr>
@@ -1446,16 +1556,13 @@
         <p:spPr/>
         <p:txBody>
           <a:bodyPr/>
-          <a:lstStyle>
-            <a:lvl1pPr>
-              <a:defRPr/>
-            </a:lvl1pPr>
-          </a:lstStyle>
+          <a:lstStyle/>
           <a:p>
             <a:r>
               <a:rPr lang="en-US"/>
               <a:t>Click to edit Master title style</a:t>
             </a:r>
+            <a:endParaRPr lang="en-US" dirty="0"/>
           </a:p>
         </p:txBody>
       </p:sp>
@@ -1471,20 +1578,29 @@
         </p:nvSpPr>
         <p:spPr>
           <a:xfrm>
-            <a:off x="457200" y="1535113"/>
-            <a:ext cx="4040188" cy="639762"/>
+            <a:off x="946404" y="1717185"/>
+            <a:ext cx="3360420" cy="731520"/>
           </a:xfrm>
         </p:spPr>
         <p:txBody>
-          <a:bodyPr anchor="b"/>
+          <a:bodyPr anchor="b">
+            <a:normAutofit/>
+          </a:bodyPr>
           <a:lstStyle>
             <a:lvl1pPr marL="0" indent="0">
-              <a:buNone/>
-              <a:defRPr sz="2400" b="1"/>
+              <a:spcBef>
+                <a:spcPts val="0"/>
+              </a:spcBef>
+              <a:buNone/>
+              <a:defRPr sz="1800" b="0">
+                <a:solidFill>
+                  <a:schemeClr val="tx2"/>
+                </a:solidFill>
+              </a:defRPr>
             </a:lvl1pPr>
             <a:lvl2pPr marL="457200" indent="0">
               <a:buNone/>
-              <a:defRPr sz="2000" b="1"/>
+              <a:defRPr sz="1800" b="1"/>
             </a:lvl2pPr>
             <a:lvl3pPr marL="914400" indent="0">
               <a:buNone/>
@@ -1519,7 +1635,7 @@
             <a:pPr lvl="0"/>
             <a:r>
               <a:rPr lang="en-US"/>
-              <a:t>Click to edit Master text styles</a:t>
+              <a:t>Edit Master text styles</a:t>
             </a:r>
           </a:p>
         </p:txBody>
@@ -1536,46 +1652,46 @@
         </p:nvSpPr>
         <p:spPr>
           <a:xfrm>
-            <a:off x="457200" y="2174875"/>
-            <a:ext cx="4040188" cy="3951288"/>
+            <a:off x="946404" y="2507550"/>
+            <a:ext cx="3360420" cy="3664650"/>
           </a:xfrm>
         </p:spPr>
         <p:txBody>
           <a:bodyPr/>
           <a:lstStyle>
             <a:lvl1pPr>
-              <a:defRPr sz="2400"/>
+              <a:defRPr sz="1800"/>
             </a:lvl1pPr>
             <a:lvl2pPr>
-              <a:defRPr sz="2000"/>
+              <a:defRPr sz="1600"/>
             </a:lvl2pPr>
             <a:lvl3pPr>
-              <a:defRPr sz="1800"/>
+              <a:defRPr sz="1400"/>
             </a:lvl3pPr>
             <a:lvl4pPr>
-              <a:defRPr sz="1600"/>
+              <a:defRPr sz="1400"/>
             </a:lvl4pPr>
             <a:lvl5pPr>
-              <a:defRPr sz="1600"/>
+              <a:defRPr sz="1400"/>
             </a:lvl5pPr>
             <a:lvl6pPr>
-              <a:defRPr sz="1600"/>
+              <a:defRPr sz="1400"/>
             </a:lvl6pPr>
             <a:lvl7pPr>
-              <a:defRPr sz="1600"/>
+              <a:defRPr sz="1400"/>
             </a:lvl7pPr>
             <a:lvl8pPr>
-              <a:defRPr sz="1600"/>
+              <a:defRPr sz="1400"/>
             </a:lvl8pPr>
             <a:lvl9pPr>
-              <a:defRPr sz="1600"/>
+              <a:defRPr sz="1400"/>
             </a:lvl9pPr>
           </a:lstStyle>
           <a:p>
             <a:pPr lvl="0"/>
             <a:r>
               <a:rPr lang="en-US"/>
-              <a:t>Click to edit Master text styles</a:t>
+              <a:t>Edit Master text styles</a:t>
             </a:r>
           </a:p>
           <a:p>
@@ -1605,126 +1721,120 @@
               <a:rPr lang="en-US"/>
               <a:t>Fifth level</a:t>
             </a:r>
-          </a:p>
-        </p:txBody>
-      </p:sp>
-      <p:sp>
-        <p:nvSpPr>
-          <p:cNvPr id="5" name="Text Placeholder 4"/>
-          <p:cNvSpPr>
-            <a:spLocks noGrp="1"/>
-          </p:cNvSpPr>
-          <p:nvPr>
-            <p:ph type="body" sz="quarter" idx="3"/>
+            <a:endParaRPr lang="en-US" dirty="0"/>
+          </a:p>
+        </p:txBody>
+      </p:sp>
+      <p:sp>
+        <p:nvSpPr>
+          <p:cNvPr id="11" name="Text Placeholder 10"/>
+          <p:cNvSpPr>
+            <a:spLocks noGrp="1"/>
+          </p:cNvSpPr>
+          <p:nvPr>
+            <p:ph type="body" sz="quarter" idx="13"/>
           </p:nvPr>
         </p:nvSpPr>
         <p:spPr>
           <a:xfrm>
-            <a:off x="4645025" y="1535113"/>
-            <a:ext cx="4041775" cy="639762"/>
+            <a:off x="4599432" y="1717185"/>
+            <a:ext cx="3364992" cy="731520"/>
           </a:xfrm>
         </p:spPr>
         <p:txBody>
-          <a:bodyPr anchor="b"/>
+          <a:bodyPr anchor="b">
+            <a:normAutofit/>
+          </a:bodyPr>
           <a:lstStyle>
             <a:lvl1pPr marL="0" indent="0">
-              <a:buNone/>
-              <a:defRPr sz="2400" b="1"/>
+              <a:buFontTx/>
+              <a:buNone/>
+              <a:defRPr lang="en-US" sz="1800" b="0" kern="1200" spc="10" baseline="0" dirty="0">
+                <a:solidFill>
+                  <a:schemeClr val="tx2"/>
+                </a:solidFill>
+                <a:latin typeface="+mn-lt"/>
+                <a:ea typeface="+mn-ea"/>
+                <a:cs typeface="+mn-cs"/>
+              </a:defRPr>
             </a:lvl1pPr>
-            <a:lvl2pPr marL="457200" indent="0">
-              <a:buNone/>
-              <a:defRPr sz="2000" b="1"/>
+          </a:lstStyle>
+          <a:p>
+            <a:pPr marL="0" lvl="0" indent="0" algn="l" defTabSz="914400" rtl="0" eaLnBrk="1" latinLnBrk="0" hangingPunct="1">
+              <a:lnSpc>
+                <a:spcPct val="95000"/>
+              </a:lnSpc>
+              <a:spcBef>
+                <a:spcPts val="0"/>
+              </a:spcBef>
+              <a:spcAft>
+                <a:spcPts val="200"/>
+              </a:spcAft>
+              <a:buClr>
+                <a:schemeClr val="accent1"/>
+              </a:buClr>
+              <a:buSzPct val="80000"/>
+              <a:buNone/>
+            </a:pPr>
+            <a:r>
+              <a:rPr lang="en-US"/>
+              <a:t>Edit Master text styles</a:t>
+            </a:r>
+          </a:p>
+        </p:txBody>
+      </p:sp>
+      <p:sp>
+        <p:nvSpPr>
+          <p:cNvPr id="6" name="Content Placeholder 5"/>
+          <p:cNvSpPr>
+            <a:spLocks noGrp="1"/>
+          </p:cNvSpPr>
+          <p:nvPr>
+            <p:ph sz="quarter" idx="4"/>
+          </p:nvPr>
+        </p:nvSpPr>
+        <p:spPr>
+          <a:xfrm>
+            <a:off x="4594860" y="2507550"/>
+            <a:ext cx="3360420" cy="3664650"/>
+          </a:xfrm>
+        </p:spPr>
+        <p:txBody>
+          <a:bodyPr/>
+          <a:lstStyle>
+            <a:lvl1pPr>
+              <a:defRPr sz="1800"/>
+            </a:lvl1pPr>
+            <a:lvl2pPr>
+              <a:defRPr sz="1600"/>
             </a:lvl2pPr>
-            <a:lvl3pPr marL="914400" indent="0">
-              <a:buNone/>
-              <a:defRPr sz="1800" b="1"/>
+            <a:lvl3pPr>
+              <a:defRPr sz="1400"/>
             </a:lvl3pPr>
-            <a:lvl4pPr marL="1371600" indent="0">
-              <a:buNone/>
-              <a:defRPr sz="1600" b="1"/>
+            <a:lvl4pPr>
+              <a:defRPr sz="1400"/>
             </a:lvl4pPr>
-            <a:lvl5pPr marL="1828800" indent="0">
-              <a:buNone/>
-              <a:defRPr sz="1600" b="1"/>
+            <a:lvl5pPr>
+              <a:defRPr sz="1400"/>
             </a:lvl5pPr>
-            <a:lvl6pPr marL="2286000" indent="0">
-              <a:buNone/>
-              <a:defRPr sz="1600" b="1"/>
+            <a:lvl6pPr>
+              <a:defRPr sz="1400"/>
             </a:lvl6pPr>
-            <a:lvl7pPr marL="2743200" indent="0">
-              <a:buNone/>
-              <a:defRPr sz="1600" b="1"/>
+            <a:lvl7pPr>
+              <a:defRPr sz="1400"/>
             </a:lvl7pPr>
-            <a:lvl8pPr marL="3200400" indent="0">
-              <a:buNone/>
-              <a:defRPr sz="1600" b="1"/>
+            <a:lvl8pPr>
+              <a:defRPr sz="1400"/>
             </a:lvl8pPr>
-            <a:lvl9pPr marL="3657600" indent="0">
-              <a:buNone/>
-              <a:defRPr sz="1600" b="1"/>
+            <a:lvl9pPr>
+              <a:defRPr sz="1400"/>
             </a:lvl9pPr>
           </a:lstStyle>
           <a:p>
             <a:pPr lvl="0"/>
             <a:r>
               <a:rPr lang="en-US"/>
-              <a:t>Click to edit Master text styles</a:t>
-            </a:r>
-          </a:p>
-        </p:txBody>
-      </p:sp>
-      <p:sp>
-        <p:nvSpPr>
-          <p:cNvPr id="6" name="Content Placeholder 5"/>
-          <p:cNvSpPr>
-            <a:spLocks noGrp="1"/>
-          </p:cNvSpPr>
-          <p:nvPr>
-            <p:ph sz="quarter" idx="4"/>
-          </p:nvPr>
-        </p:nvSpPr>
-        <p:spPr>
-          <a:xfrm>
-            <a:off x="4645025" y="2174875"/>
-            <a:ext cx="4041775" cy="3951288"/>
-          </a:xfrm>
-        </p:spPr>
-        <p:txBody>
-          <a:bodyPr/>
-          <a:lstStyle>
-            <a:lvl1pPr>
-              <a:defRPr sz="2400"/>
-            </a:lvl1pPr>
-            <a:lvl2pPr>
-              <a:defRPr sz="2000"/>
-            </a:lvl2pPr>
-            <a:lvl3pPr>
-              <a:defRPr sz="1800"/>
-            </a:lvl3pPr>
-            <a:lvl4pPr>
-              <a:defRPr sz="1600"/>
-            </a:lvl4pPr>
-            <a:lvl5pPr>
-              <a:defRPr sz="1600"/>
-            </a:lvl5pPr>
-            <a:lvl6pPr>
-              <a:defRPr sz="1600"/>
-            </a:lvl6pPr>
-            <a:lvl7pPr>
-              <a:defRPr sz="1600"/>
-            </a:lvl7pPr>
-            <a:lvl8pPr>
-              <a:defRPr sz="1600"/>
-            </a:lvl8pPr>
-            <a:lvl9pPr>
-              <a:defRPr sz="1600"/>
-            </a:lvl9pPr>
-          </a:lstStyle>
-          <a:p>
-            <a:pPr lvl="0"/>
-            <a:r>
-              <a:rPr lang="en-US"/>
-              <a:t>Click to edit Master text styles</a:t>
+              <a:t>Edit Master text styles</a:t>
             </a:r>
           </a:p>
           <a:p>
@@ -1754,6 +1864,7 @@
               <a:rPr lang="en-US"/>
               <a:t>Fifth level</a:t>
             </a:r>
+            <a:endParaRPr lang="en-US" dirty="0"/>
           </a:p>
         </p:txBody>
       </p:sp>
@@ -1774,7 +1885,7 @@
           <a:p>
             <a:fld id="{1E757FCD-8316-467A-88CE-C750D97C0723}" type="datetimeFigureOut">
               <a:rPr lang="en-US" smtClean="0"/>
-              <a:t>2/27/2018</a:t>
+              <a:t>2/28/2018</a:t>
             </a:fld>
             <a:endParaRPr lang="en-US"/>
           </a:p>
@@ -1825,7 +1936,7 @@
     </p:spTree>
     <p:extLst>
       <p:ext uri="{BB962C8B-B14F-4D97-AF65-F5344CB8AC3E}">
-        <p14:creationId xmlns:p14="http://schemas.microsoft.com/office/powerpoint/2010/main" val="2292869200"/>
+        <p14:creationId xmlns:p14="http://schemas.microsoft.com/office/powerpoint/2010/main" val="1660853997"/>
       </p:ext>
     </p:extLst>
   </p:cSld>
@@ -1854,7 +1965,7 @@
       </p:grpSpPr>
       <p:sp>
         <p:nvSpPr>
-          <p:cNvPr id="2" name="Title 1"/>
+          <p:cNvPr id="6" name="Title 5"/>
           <p:cNvSpPr>
             <a:spLocks noGrp="1"/>
           </p:cNvSpPr>
@@ -1871,6 +1982,7 @@
               <a:rPr lang="en-US"/>
               <a:t>Click to edit Master title style</a:t>
             </a:r>
+            <a:endParaRPr lang="en-US" dirty="0"/>
           </a:p>
         </p:txBody>
       </p:sp>
@@ -1891,7 +2003,7 @@
           <a:p>
             <a:fld id="{1E757FCD-8316-467A-88CE-C750D97C0723}" type="datetimeFigureOut">
               <a:rPr lang="en-US" smtClean="0"/>
-              <a:t>2/27/2018</a:t>
+              <a:t>2/28/2018</a:t>
             </a:fld>
             <a:endParaRPr lang="en-US"/>
           </a:p>
@@ -1942,7 +2054,7 @@
     </p:spTree>
     <p:extLst>
       <p:ext uri="{BB962C8B-B14F-4D97-AF65-F5344CB8AC3E}">
-        <p14:creationId xmlns:p14="http://schemas.microsoft.com/office/powerpoint/2010/main" val="1110101674"/>
+        <p14:creationId xmlns:p14="http://schemas.microsoft.com/office/powerpoint/2010/main" val="4093696907"/>
       </p:ext>
     </p:extLst>
   </p:cSld>
@@ -1986,7 +2098,7 @@
           <a:p>
             <a:fld id="{1E757FCD-8316-467A-88CE-C750D97C0723}" type="datetimeFigureOut">
               <a:rPr lang="en-US" smtClean="0"/>
-              <a:t>2/27/2018</a:t>
+              <a:t>2/28/2018</a:t>
             </a:fld>
             <a:endParaRPr lang="en-US"/>
           </a:p>
@@ -2037,7 +2149,7 @@
     </p:spTree>
     <p:extLst>
       <p:ext uri="{BB962C8B-B14F-4D97-AF65-F5344CB8AC3E}">
-        <p14:creationId xmlns:p14="http://schemas.microsoft.com/office/powerpoint/2010/main" val="2160897399"/>
+        <p14:creationId xmlns:p14="http://schemas.microsoft.com/office/powerpoint/2010/main" val="3263282220"/>
       </p:ext>
     </p:extLst>
   </p:cSld>
@@ -2076,15 +2188,17 @@
         </p:nvSpPr>
         <p:spPr>
           <a:xfrm>
-            <a:off x="457200" y="273050"/>
-            <a:ext cx="3008313" cy="1162050"/>
+            <a:off x="630936" y="457201"/>
+            <a:ext cx="2400300" cy="1600197"/>
           </a:xfrm>
         </p:spPr>
         <p:txBody>
-          <a:bodyPr anchor="b"/>
+          <a:bodyPr anchor="b">
+            <a:normAutofit/>
+          </a:bodyPr>
           <a:lstStyle>
-            <a:lvl1pPr algn="l">
-              <a:defRPr sz="2000" b="1"/>
+            <a:lvl1pPr>
+              <a:defRPr sz="2800" b="0" baseline="0"/>
             </a:lvl1pPr>
           </a:lstStyle>
           <a:p>
@@ -2092,6 +2206,7 @@
               <a:rPr lang="en-US"/>
               <a:t>Click to edit Master title style</a:t>
             </a:r>
+            <a:endParaRPr lang="en-US" dirty="0"/>
           </a:p>
         </p:txBody>
       </p:sp>
@@ -2107,46 +2222,46 @@
         </p:nvSpPr>
         <p:spPr>
           <a:xfrm>
-            <a:off x="3575050" y="273050"/>
-            <a:ext cx="5111750" cy="5853113"/>
+            <a:off x="3378200" y="685800"/>
+            <a:ext cx="4559300" cy="5486400"/>
           </a:xfrm>
         </p:spPr>
         <p:txBody>
           <a:bodyPr/>
           <a:lstStyle>
             <a:lvl1pPr>
-              <a:defRPr sz="3200"/>
+              <a:defRPr sz="1800"/>
             </a:lvl1pPr>
             <a:lvl2pPr>
-              <a:defRPr sz="2800"/>
+              <a:defRPr sz="1600"/>
             </a:lvl2pPr>
             <a:lvl3pPr>
-              <a:defRPr sz="2400"/>
+              <a:defRPr sz="1400"/>
             </a:lvl3pPr>
             <a:lvl4pPr>
-              <a:defRPr sz="2000"/>
+              <a:defRPr sz="1400"/>
             </a:lvl4pPr>
             <a:lvl5pPr>
-              <a:defRPr sz="2000"/>
+              <a:defRPr sz="1400"/>
             </a:lvl5pPr>
             <a:lvl6pPr>
-              <a:defRPr sz="2000"/>
+              <a:defRPr sz="1400"/>
             </a:lvl6pPr>
             <a:lvl7pPr>
-              <a:defRPr sz="2000"/>
+              <a:defRPr sz="1400"/>
             </a:lvl7pPr>
             <a:lvl8pPr>
-              <a:defRPr sz="2000"/>
+              <a:defRPr sz="1400"/>
             </a:lvl8pPr>
             <a:lvl9pPr>
-              <a:defRPr sz="2000"/>
+              <a:defRPr sz="1400"/>
             </a:lvl9pPr>
           </a:lstStyle>
           <a:p>
             <a:pPr lvl="0"/>
             <a:r>
               <a:rPr lang="en-US"/>
-              <a:t>Click to edit Master text styles</a:t>
+              <a:t>Edit Master text styles</a:t>
             </a:r>
           </a:p>
           <a:p>
@@ -2176,6 +2291,7 @@
               <a:rPr lang="en-US"/>
               <a:t>Fifth level</a:t>
             </a:r>
+            <a:endParaRPr lang="en-US" dirty="0"/>
           </a:p>
         </p:txBody>
       </p:sp>
@@ -2191,16 +2307,24 @@
         </p:nvSpPr>
         <p:spPr>
           <a:xfrm>
-            <a:off x="457200" y="1435100"/>
-            <a:ext cx="3008313" cy="4691063"/>
+            <a:off x="630936" y="2099735"/>
+            <a:ext cx="2400300" cy="3810001"/>
           </a:xfrm>
         </p:spPr>
         <p:txBody>
-          <a:bodyPr/>
+          <a:bodyPr>
+            <a:normAutofit/>
+          </a:bodyPr>
           <a:lstStyle>
             <a:lvl1pPr marL="0" indent="0">
-              <a:buNone/>
-              <a:defRPr sz="1400"/>
+              <a:lnSpc>
+                <a:spcPct val="114000"/>
+              </a:lnSpc>
+              <a:spcBef>
+                <a:spcPts val="800"/>
+              </a:spcBef>
+              <a:buNone/>
+              <a:defRPr sz="1300"/>
             </a:lvl1pPr>
             <a:lvl2pPr marL="457200" indent="0">
               <a:buNone/>
@@ -2239,7 +2363,7 @@
             <a:pPr lvl="0"/>
             <a:r>
               <a:rPr lang="en-US"/>
-              <a:t>Click to edit Master text styles</a:t>
+              <a:t>Edit Master text styles</a:t>
             </a:r>
           </a:p>
         </p:txBody>
@@ -2261,7 +2385,7 @@
           <a:p>
             <a:fld id="{1E757FCD-8316-467A-88CE-C750D97C0723}" type="datetimeFigureOut">
               <a:rPr lang="en-US" smtClean="0"/>
-              <a:t>2/27/2018</a:t>
+              <a:t>2/28/2018</a:t>
             </a:fld>
             <a:endParaRPr lang="en-US"/>
           </a:p>
@@ -2312,7 +2436,7 @@
     </p:spTree>
     <p:extLst>
       <p:ext uri="{BB962C8B-B14F-4D97-AF65-F5344CB8AC3E}">
-        <p14:creationId xmlns:p14="http://schemas.microsoft.com/office/powerpoint/2010/main" val="154458887"/>
+        <p14:creationId xmlns:p14="http://schemas.microsoft.com/office/powerpoint/2010/main" val="1418390657"/>
       </p:ext>
     </p:extLst>
   </p:cSld>
@@ -2341,25 +2465,69 @@
       </p:grpSpPr>
       <p:sp>
         <p:nvSpPr>
-          <p:cNvPr id="2" name="Title 1"/>
-          <p:cNvSpPr>
-            <a:spLocks noGrp="1"/>
-          </p:cNvSpPr>
-          <p:nvPr>
-            <p:ph type="title"/>
-          </p:nvPr>
+          <p:cNvPr id="8" name="Rectangle 7"/>
+          <p:cNvSpPr/>
+          <p:nvPr/>
         </p:nvSpPr>
         <p:spPr>
           <a:xfrm>
-            <a:off x="1792288" y="4800600"/>
-            <a:ext cx="5486400" cy="566738"/>
+            <a:off x="0" y="5105400"/>
+            <a:ext cx="8469630" cy="1752600"/>
+          </a:xfrm>
+          <a:prstGeom prst="rect">
+            <a:avLst/>
+          </a:prstGeom>
+          <a:solidFill>
+            <a:srgbClr val="000000"/>
+          </a:solidFill>
+          <a:ln>
+            <a:noFill/>
+          </a:ln>
+        </p:spPr>
+        <p:style>
+          <a:lnRef idx="2">
+            <a:schemeClr val="accent1">
+              <a:shade val="50000"/>
+            </a:schemeClr>
+          </a:lnRef>
+          <a:fillRef idx="1">
+            <a:schemeClr val="accent1"/>
+          </a:fillRef>
+          <a:effectRef idx="0">
+            <a:schemeClr val="accent1"/>
+          </a:effectRef>
+          <a:fontRef idx="minor">
+            <a:schemeClr val="lt1"/>
+          </a:fontRef>
+        </p:style>
+      </p:sp>
+      <p:sp>
+        <p:nvSpPr>
+          <p:cNvPr id="2" name="Title 1"/>
+          <p:cNvSpPr>
+            <a:spLocks noGrp="1"/>
+          </p:cNvSpPr>
+          <p:nvPr>
+            <p:ph type="title"/>
+          </p:nvPr>
+        </p:nvSpPr>
+        <p:spPr>
+          <a:xfrm>
+            <a:off x="685800" y="5257800"/>
+            <a:ext cx="7486650" cy="914400"/>
           </a:xfrm>
         </p:spPr>
         <p:txBody>
-          <a:bodyPr anchor="b"/>
+          <a:bodyPr anchor="b">
+            <a:normAutofit/>
+          </a:bodyPr>
           <a:lstStyle>
-            <a:lvl1pPr algn="l">
-              <a:defRPr sz="2000" b="1"/>
+            <a:lvl1pPr>
+              <a:defRPr sz="2800" b="0">
+                <a:solidFill>
+                  <a:schemeClr val="bg1"/>
+                </a:solidFill>
+              </a:defRPr>
             </a:lvl1pPr>
           </a:lstStyle>
           <a:p>
@@ -2367,6 +2535,7 @@
               <a:rPr lang="en-US"/>
               <a:t>Click to edit Master title style</a:t>
             </a:r>
+            <a:endParaRPr lang="en-US" dirty="0"/>
           </a:p>
         </p:txBody>
       </p:sp>
@@ -2374,7 +2543,7 @@
         <p:nvSpPr>
           <p:cNvPr id="3" name="Picture Placeholder 2"/>
           <p:cNvSpPr>
-            <a:spLocks noGrp="1"/>
+            <a:spLocks noGrp="1" noChangeAspect="1"/>
           </p:cNvSpPr>
           <p:nvPr>
             <p:ph type="pic" idx="1"/>
@@ -2382,16 +2551,23 @@
         </p:nvSpPr>
         <p:spPr>
           <a:xfrm>
-            <a:off x="1792288" y="612775"/>
-            <a:ext cx="5486400" cy="4114800"/>
+            <a:off x="0" y="1"/>
+            <a:ext cx="8469630" cy="5128923"/>
           </a:xfrm>
+          <a:solidFill>
+            <a:schemeClr val="accent1"/>
+          </a:solidFill>
         </p:spPr>
         <p:txBody>
-          <a:bodyPr/>
+          <a:bodyPr anchor="t"/>
           <a:lstStyle>
             <a:lvl1pPr marL="0" indent="0">
               <a:buNone/>
-              <a:defRPr sz="3200"/>
+              <a:defRPr sz="3200">
+                <a:solidFill>
+                  <a:schemeClr val="bg1"/>
+                </a:solidFill>
+              </a:defRPr>
             </a:lvl1pPr>
             <a:lvl2pPr marL="457200" indent="0">
               <a:buNone/>
@@ -2427,7 +2603,11 @@
             </a:lvl9pPr>
           </a:lstStyle>
           <a:p>
-            <a:endParaRPr lang="en-US"/>
+            <a:r>
+              <a:rPr lang="en-US"/>
+              <a:t>Click icon to add picture</a:t>
+            </a:r>
+            <a:endParaRPr lang="en-US" dirty="0"/>
           </a:p>
         </p:txBody>
       </p:sp>
@@ -2443,16 +2623,30 @@
         </p:nvSpPr>
         <p:spPr>
           <a:xfrm>
-            <a:off x="1792288" y="5367338"/>
-            <a:ext cx="5486400" cy="804862"/>
+            <a:off x="685800" y="6108590"/>
+            <a:ext cx="7486650" cy="597011"/>
           </a:xfrm>
         </p:spPr>
         <p:txBody>
-          <a:bodyPr/>
+          <a:bodyPr>
+            <a:normAutofit/>
+          </a:bodyPr>
           <a:lstStyle>
             <a:lvl1pPr marL="0" indent="0">
-              <a:buNone/>
-              <a:defRPr sz="1400"/>
+              <a:lnSpc>
+                <a:spcPct val="100000"/>
+              </a:lnSpc>
+              <a:spcBef>
+                <a:spcPts val="800"/>
+              </a:spcBef>
+              <a:buNone/>
+              <a:defRPr sz="1300">
+                <a:solidFill>
+                  <a:schemeClr val="bg1">
+                    <a:lumMod val="85000"/>
+                  </a:schemeClr>
+                </a:solidFill>
+              </a:defRPr>
             </a:lvl1pPr>
             <a:lvl2pPr marL="457200" indent="0">
               <a:buNone/>
@@ -2491,7 +2685,7 @@
             <a:pPr lvl="0"/>
             <a:r>
               <a:rPr lang="en-US"/>
-              <a:t>Click to edit Master text styles</a:t>
+              <a:t>Edit Master text styles</a:t>
             </a:r>
           </a:p>
         </p:txBody>
@@ -2513,7 +2707,7 @@
           <a:p>
             <a:fld id="{1E757FCD-8316-467A-88CE-C750D97C0723}" type="datetimeFigureOut">
               <a:rPr lang="en-US" smtClean="0"/>
-              <a:t>2/27/2018</a:t>
+              <a:t>2/28/2018</a:t>
             </a:fld>
             <a:endParaRPr lang="en-US"/>
           </a:p>
@@ -2564,7 +2758,7 @@
     </p:spTree>
     <p:extLst>
       <p:ext uri="{BB962C8B-B14F-4D97-AF65-F5344CB8AC3E}">
-        <p14:creationId xmlns:p14="http://schemas.microsoft.com/office/powerpoint/2010/main" val="2726971592"/>
+        <p14:creationId xmlns:p14="http://schemas.microsoft.com/office/powerpoint/2010/main" val="780064615"/>
       </p:ext>
     </p:extLst>
   </p:cSld>
@@ -2598,25 +2792,65 @@
       </p:grpSpPr>
       <p:sp>
         <p:nvSpPr>
-          <p:cNvPr id="2" name="Title Placeholder 1"/>
-          <p:cNvSpPr>
-            <a:spLocks noGrp="1"/>
-          </p:cNvSpPr>
-          <p:nvPr>
-            <p:ph type="title"/>
-          </p:nvPr>
+          <p:cNvPr id="7" name="Rectangle 6"/>
+          <p:cNvSpPr/>
+          <p:nvPr/>
         </p:nvSpPr>
         <p:spPr>
           <a:xfrm>
-            <a:off x="457200" y="274638"/>
-            <a:ext cx="8229600" cy="1143000"/>
+            <a:off x="8418195" y="0"/>
+            <a:ext cx="731520" cy="6858000"/>
+          </a:xfrm>
+          <a:prstGeom prst="rect">
+            <a:avLst/>
+          </a:prstGeom>
+          <a:solidFill>
+            <a:schemeClr val="tx2">
+              <a:lumMod val="75000"/>
+            </a:schemeClr>
+          </a:solidFill>
+          <a:ln>
+            <a:noFill/>
+          </a:ln>
+        </p:spPr>
+        <p:style>
+          <a:lnRef idx="2">
+            <a:schemeClr val="accent1">
+              <a:shade val="50000"/>
+            </a:schemeClr>
+          </a:lnRef>
+          <a:fillRef idx="1">
+            <a:schemeClr val="accent1"/>
+          </a:fillRef>
+          <a:effectRef idx="0">
+            <a:schemeClr val="accent1"/>
+          </a:effectRef>
+          <a:fontRef idx="minor">
+            <a:schemeClr val="lt1"/>
+          </a:fontRef>
+        </p:style>
+      </p:sp>
+      <p:sp>
+        <p:nvSpPr>
+          <p:cNvPr id="2" name="Title Placeholder 1"/>
+          <p:cNvSpPr>
+            <a:spLocks noGrp="1"/>
+          </p:cNvSpPr>
+          <p:nvPr>
+            <p:ph type="title"/>
+          </p:nvPr>
+        </p:nvSpPr>
+        <p:spPr>
+          <a:xfrm>
+            <a:off x="946404" y="365760"/>
+            <a:ext cx="7269480" cy="1325562"/>
           </a:xfrm>
           <a:prstGeom prst="rect">
             <a:avLst/>
           </a:prstGeom>
         </p:spPr>
         <p:txBody>
-          <a:bodyPr vert="horz" lIns="91440" tIns="45720" rIns="91440" bIns="45720" rtlCol="0" anchor="ctr">
+          <a:bodyPr vert="horz" lIns="91440" tIns="45720" rIns="91440" bIns="45720" rtlCol="0" anchor="b">
             <a:normAutofit/>
           </a:bodyPr>
           <a:lstStyle/>
@@ -2625,6 +2859,7 @@
               <a:rPr lang="en-US"/>
               <a:t>Click to edit Master title style</a:t>
             </a:r>
+            <a:endParaRPr lang="en-US" dirty="0"/>
           </a:p>
         </p:txBody>
       </p:sp>
@@ -2640,8 +2875,8 @@
         </p:nvSpPr>
         <p:spPr>
           <a:xfrm>
-            <a:off x="457200" y="1600200"/>
-            <a:ext cx="8229600" cy="4525963"/>
+            <a:off x="946404" y="1828801"/>
+            <a:ext cx="6446520" cy="4351337"/>
           </a:xfrm>
           <a:prstGeom prst="rect">
             <a:avLst/>
@@ -2656,7 +2891,7 @@
             <a:pPr lvl="0"/>
             <a:r>
               <a:rPr lang="en-US"/>
-              <a:t>Click to edit Master text styles</a:t>
+              <a:t>Edit Master text styles</a:t>
             </a:r>
           </a:p>
           <a:p>
@@ -2686,6 +2921,7 @@
               <a:rPr lang="en-US"/>
               <a:t>Fifth level</a:t>
             </a:r>
+            <a:endParaRPr lang="en-US" dirty="0"/>
           </a:p>
         </p:txBody>
       </p:sp>
@@ -2700,9 +2936,9 @@
           </p:nvPr>
         </p:nvSpPr>
         <p:spPr>
-          <a:xfrm>
-            <a:off x="457200" y="6356350"/>
-            <a:ext cx="2133600" cy="365125"/>
+          <a:xfrm rot="16200000">
+            <a:off x="7831456" y="1044178"/>
+            <a:ext cx="1904999" cy="273844"/>
           </a:xfrm>
           <a:prstGeom prst="rect">
             <a:avLst/>
@@ -2711,11 +2947,12 @@
         <p:txBody>
           <a:bodyPr vert="horz" lIns="91440" tIns="45720" rIns="91440" bIns="45720" rtlCol="0" anchor="ctr"/>
           <a:lstStyle>
-            <a:lvl1pPr algn="l">
-              <a:defRPr sz="1200">
+            <a:lvl1pPr algn="r">
+              <a:defRPr sz="1050" b="0">
                 <a:solidFill>
-                  <a:schemeClr val="tx1">
-                    <a:tint val="75000"/>
+                  <a:schemeClr val="tx2">
+                    <a:lumMod val="20000"/>
+                    <a:lumOff val="80000"/>
                   </a:schemeClr>
                 </a:solidFill>
               </a:defRPr>
@@ -2724,7 +2961,7 @@
           <a:p>
             <a:fld id="{1E757FCD-8316-467A-88CE-C750D97C0723}" type="datetimeFigureOut">
               <a:rPr lang="en-US" smtClean="0"/>
-              <a:t>2/27/2018</a:t>
+              <a:t>2/28/2018</a:t>
             </a:fld>
             <a:endParaRPr lang="en-US"/>
           </a:p>
@@ -2741,9 +2978,9 @@
           </p:nvPr>
         </p:nvSpPr>
         <p:spPr>
-          <a:xfrm>
-            <a:off x="3124200" y="6356350"/>
-            <a:ext cx="2895600" cy="365125"/>
+          <a:xfrm rot="16200000">
+            <a:off x="6993255" y="4092178"/>
+            <a:ext cx="3581400" cy="273844"/>
           </a:xfrm>
           <a:prstGeom prst="rect">
             <a:avLst/>
@@ -2752,11 +2989,12 @@
         <p:txBody>
           <a:bodyPr vert="horz" lIns="91440" tIns="45720" rIns="91440" bIns="45720" rtlCol="0" anchor="ctr"/>
           <a:lstStyle>
-            <a:lvl1pPr algn="ctr">
-              <a:defRPr sz="1200">
+            <a:lvl1pPr algn="l">
+              <a:defRPr sz="1050">
                 <a:solidFill>
-                  <a:schemeClr val="tx1">
-                    <a:tint val="75000"/>
+                  <a:schemeClr val="tx2">
+                    <a:lumMod val="20000"/>
+                    <a:lumOff val="80000"/>
                   </a:schemeClr>
                 </a:solidFill>
               </a:defRPr>
@@ -2779,21 +3017,24 @@
         </p:nvSpPr>
         <p:spPr>
           <a:xfrm>
-            <a:off x="6553200" y="6356350"/>
-            <a:ext cx="2133600" cy="365125"/>
+            <a:off x="8441055" y="6172201"/>
+            <a:ext cx="685800" cy="593725"/>
           </a:xfrm>
           <a:prstGeom prst="rect">
             <a:avLst/>
           </a:prstGeom>
         </p:spPr>
         <p:txBody>
-          <a:bodyPr vert="horz" lIns="91440" tIns="45720" rIns="91440" bIns="45720" rtlCol="0" anchor="ctr"/>
+          <a:bodyPr vert="horz" lIns="27432" tIns="45720" rIns="27432" bIns="45720" rtlCol="0" anchor="ctr">
+            <a:normAutofit/>
+          </a:bodyPr>
           <a:lstStyle>
-            <a:lvl1pPr algn="r">
-              <a:defRPr sz="1200">
+            <a:lvl1pPr algn="ctr">
+              <a:defRPr sz="3200">
                 <a:solidFill>
-                  <a:schemeClr val="tx1">
-                    <a:tint val="75000"/>
+                  <a:schemeClr val="tx2">
+                    <a:lumMod val="60000"/>
+                    <a:lumOff val="40000"/>
                   </a:schemeClr>
                 </a:solidFill>
               </a:defRPr>
@@ -2811,32 +3052,35 @@
     </p:spTree>
     <p:extLst>
       <p:ext uri="{BB962C8B-B14F-4D97-AF65-F5344CB8AC3E}">
-        <p14:creationId xmlns:p14="http://schemas.microsoft.com/office/powerpoint/2010/main" val="3121459415"/>
+        <p14:creationId xmlns:p14="http://schemas.microsoft.com/office/powerpoint/2010/main" val="2134720751"/>
       </p:ext>
     </p:extLst>
   </p:cSld>
   <p:clrMap bg1="lt1" tx1="dk1" bg2="lt2" tx2="dk2" accent1="accent1" accent2="accent2" accent3="accent3" accent4="accent4" accent5="accent5" accent6="accent6" hlink="hlink" folHlink="folHlink"/>
   <p:sldLayoutIdLst>
-    <p:sldLayoutId id="2147483649" r:id="rId1"/>
-    <p:sldLayoutId id="2147483650" r:id="rId2"/>
-    <p:sldLayoutId id="2147483651" r:id="rId3"/>
-    <p:sldLayoutId id="2147483652" r:id="rId4"/>
-    <p:sldLayoutId id="2147483653" r:id="rId5"/>
-    <p:sldLayoutId id="2147483654" r:id="rId6"/>
-    <p:sldLayoutId id="2147483655" r:id="rId7"/>
-    <p:sldLayoutId id="2147483656" r:id="rId8"/>
-    <p:sldLayoutId id="2147483657" r:id="rId9"/>
-    <p:sldLayoutId id="2147483658" r:id="rId10"/>
-    <p:sldLayoutId id="2147483659" r:id="rId11"/>
+    <p:sldLayoutId id="2147483661" r:id="rId1"/>
+    <p:sldLayoutId id="2147483662" r:id="rId2"/>
+    <p:sldLayoutId id="2147483663" r:id="rId3"/>
+    <p:sldLayoutId id="2147483664" r:id="rId4"/>
+    <p:sldLayoutId id="2147483665" r:id="rId5"/>
+    <p:sldLayoutId id="2147483666" r:id="rId6"/>
+    <p:sldLayoutId id="2147483667" r:id="rId7"/>
+    <p:sldLayoutId id="2147483668" r:id="rId8"/>
+    <p:sldLayoutId id="2147483669" r:id="rId9"/>
+    <p:sldLayoutId id="2147483670" r:id="rId10"/>
+    <p:sldLayoutId id="2147483671" r:id="rId11"/>
   </p:sldLayoutIdLst>
   <p:txStyles>
     <p:titleStyle>
-      <a:lvl1pPr algn="ctr" defTabSz="914400" rtl="0" eaLnBrk="1" latinLnBrk="0" hangingPunct="1">
+      <a:lvl1pPr algn="l" defTabSz="914400" rtl="0" eaLnBrk="1" latinLnBrk="0" hangingPunct="1">
+        <a:lnSpc>
+          <a:spcPct val="90000"/>
+        </a:lnSpc>
         <a:spcBef>
           <a:spcPct val="0"/>
         </a:spcBef>
         <a:buNone/>
-        <a:defRPr sz="4400" kern="1200">
+        <a:defRPr sz="4000" kern="1200" spc="-50" baseline="0">
           <a:solidFill>
             <a:schemeClr val="tx1"/>
           </a:solidFill>
@@ -2847,13 +3091,23 @@
       </a:lvl1pPr>
     </p:titleStyle>
     <p:bodyStyle>
-      <a:lvl1pPr marL="342900" indent="-342900" algn="l" defTabSz="914400" rtl="0" eaLnBrk="1" latinLnBrk="0" hangingPunct="1">
+      <a:lvl1pPr marL="182880" indent="-182880" algn="l" defTabSz="914400" rtl="0" eaLnBrk="1" latinLnBrk="0" hangingPunct="1">
+        <a:lnSpc>
+          <a:spcPct val="95000"/>
+        </a:lnSpc>
         <a:spcBef>
-          <a:spcPct val="20000"/>
+          <a:spcPts val="1400"/>
         </a:spcBef>
+        <a:spcAft>
+          <a:spcPts val="200"/>
+        </a:spcAft>
+        <a:buClr>
+          <a:schemeClr val="accent1"/>
+        </a:buClr>
+        <a:buSzPct val="80000"/>
         <a:buFont typeface="Arial" pitchFamily="34" charset="0"/>
         <a:buChar char="•"/>
-        <a:defRPr sz="3200" kern="1200">
+        <a:defRPr sz="1800" kern="1200" spc="10" baseline="0">
           <a:solidFill>
             <a:schemeClr val="tx1"/>
           </a:solidFill>
@@ -2862,120 +3116,216 @@
           <a:cs typeface="+mn-cs"/>
         </a:defRPr>
       </a:lvl1pPr>
-      <a:lvl2pPr marL="742950" indent="-285750" algn="l" defTabSz="914400" rtl="0" eaLnBrk="1" latinLnBrk="0" hangingPunct="1">
+      <a:lvl2pPr marL="457200" indent="-182880" algn="l" defTabSz="914400" rtl="0" eaLnBrk="1" latinLnBrk="0" hangingPunct="1">
+        <a:lnSpc>
+          <a:spcPct val="90000"/>
+        </a:lnSpc>
         <a:spcBef>
-          <a:spcPct val="20000"/>
+          <a:spcPts val="300"/>
         </a:spcBef>
-        <a:buFont typeface="Arial" pitchFamily="34" charset="0"/>
-        <a:buChar char="–"/>
-        <a:defRPr sz="2800" kern="1200">
+        <a:spcAft>
+          <a:spcPts val="300"/>
+        </a:spcAft>
+        <a:buClr>
+          <a:schemeClr val="accent1"/>
+        </a:buClr>
+        <a:buFont typeface="Wingdings 2" pitchFamily="18" charset="2"/>
+        <a:buChar char=""/>
+        <a:defRPr sz="1600" kern="1200">
           <a:solidFill>
-            <a:schemeClr val="tx1"/>
+            <a:schemeClr val="tx1">
+              <a:lumMod val="85000"/>
+              <a:lumOff val="15000"/>
+            </a:schemeClr>
           </a:solidFill>
           <a:latin typeface="+mn-lt"/>
           <a:ea typeface="+mn-ea"/>
           <a:cs typeface="+mn-cs"/>
         </a:defRPr>
       </a:lvl2pPr>
-      <a:lvl3pPr marL="1143000" indent="-228600" algn="l" defTabSz="914400" rtl="0" eaLnBrk="1" latinLnBrk="0" hangingPunct="1">
+      <a:lvl3pPr marL="731520" indent="-182880" algn="l" defTabSz="914400" rtl="0" eaLnBrk="1" latinLnBrk="0" hangingPunct="1">
+        <a:lnSpc>
+          <a:spcPct val="90000"/>
+        </a:lnSpc>
         <a:spcBef>
-          <a:spcPct val="20000"/>
+          <a:spcPts val="300"/>
         </a:spcBef>
-        <a:buFont typeface="Arial" pitchFamily="34" charset="0"/>
-        <a:buChar char="•"/>
-        <a:defRPr sz="2400" kern="1200">
+        <a:spcAft>
+          <a:spcPts val="300"/>
+        </a:spcAft>
+        <a:buClr>
+          <a:schemeClr val="accent1"/>
+        </a:buClr>
+        <a:buFont typeface="Wingdings 2" pitchFamily="18" charset="2"/>
+        <a:buChar char=""/>
+        <a:defRPr sz="1400" kern="1200">
           <a:solidFill>
-            <a:schemeClr val="tx1"/>
+            <a:schemeClr val="tx1">
+              <a:lumMod val="85000"/>
+              <a:lumOff val="15000"/>
+            </a:schemeClr>
           </a:solidFill>
           <a:latin typeface="+mn-lt"/>
           <a:ea typeface="+mn-ea"/>
           <a:cs typeface="+mn-cs"/>
         </a:defRPr>
       </a:lvl3pPr>
-      <a:lvl4pPr marL="1600200" indent="-228600" algn="l" defTabSz="914400" rtl="0" eaLnBrk="1" latinLnBrk="0" hangingPunct="1">
+      <a:lvl4pPr marL="1005840" indent="-182880" algn="l" defTabSz="914400" rtl="0" eaLnBrk="1" latinLnBrk="0" hangingPunct="1">
+        <a:lnSpc>
+          <a:spcPct val="90000"/>
+        </a:lnSpc>
         <a:spcBef>
-          <a:spcPct val="20000"/>
+          <a:spcPts val="300"/>
         </a:spcBef>
-        <a:buFont typeface="Arial" pitchFamily="34" charset="0"/>
-        <a:buChar char="–"/>
-        <a:defRPr sz="2000" kern="1200">
+        <a:spcAft>
+          <a:spcPts val="300"/>
+        </a:spcAft>
+        <a:buClr>
+          <a:schemeClr val="accent1"/>
+        </a:buClr>
+        <a:buFont typeface="Wingdings 2" pitchFamily="18" charset="2"/>
+        <a:buChar char=""/>
+        <a:defRPr sz="1400" kern="1200">
           <a:solidFill>
-            <a:schemeClr val="tx1"/>
+            <a:schemeClr val="tx1">
+              <a:lumMod val="85000"/>
+              <a:lumOff val="15000"/>
+            </a:schemeClr>
           </a:solidFill>
           <a:latin typeface="+mn-lt"/>
           <a:ea typeface="+mn-ea"/>
           <a:cs typeface="+mn-cs"/>
         </a:defRPr>
       </a:lvl4pPr>
-      <a:lvl5pPr marL="2057400" indent="-228600" algn="l" defTabSz="914400" rtl="0" eaLnBrk="1" latinLnBrk="0" hangingPunct="1">
+      <a:lvl5pPr marL="1280160" indent="-182880" algn="l" defTabSz="914400" rtl="0" eaLnBrk="1" latinLnBrk="0" hangingPunct="1">
+        <a:lnSpc>
+          <a:spcPct val="90000"/>
+        </a:lnSpc>
         <a:spcBef>
-          <a:spcPct val="20000"/>
+          <a:spcPts val="300"/>
         </a:spcBef>
-        <a:buFont typeface="Arial" pitchFamily="34" charset="0"/>
-        <a:buChar char="»"/>
-        <a:defRPr sz="2000" kern="1200">
+        <a:spcAft>
+          <a:spcPts val="300"/>
+        </a:spcAft>
+        <a:buClr>
+          <a:schemeClr val="accent1"/>
+        </a:buClr>
+        <a:buFont typeface="Wingdings 2" pitchFamily="18" charset="2"/>
+        <a:buChar char=""/>
+        <a:defRPr sz="1400" kern="1200">
           <a:solidFill>
-            <a:schemeClr val="tx1"/>
+            <a:schemeClr val="tx1">
+              <a:lumMod val="85000"/>
+              <a:lumOff val="15000"/>
+            </a:schemeClr>
           </a:solidFill>
           <a:latin typeface="+mn-lt"/>
           <a:ea typeface="+mn-ea"/>
           <a:cs typeface="+mn-cs"/>
         </a:defRPr>
       </a:lvl5pPr>
-      <a:lvl6pPr marL="2514600" indent="-228600" algn="l" defTabSz="914400" rtl="0" eaLnBrk="1" latinLnBrk="0" hangingPunct="1">
+      <a:lvl6pPr marL="1600000" indent="-228600" algn="l" defTabSz="914400" rtl="0" eaLnBrk="1" latinLnBrk="0" hangingPunct="1">
+        <a:lnSpc>
+          <a:spcPct val="90000"/>
+        </a:lnSpc>
         <a:spcBef>
-          <a:spcPct val="20000"/>
+          <a:spcPts val="300"/>
         </a:spcBef>
-        <a:buFont typeface="Arial" pitchFamily="34" charset="0"/>
-        <a:buChar char="•"/>
-        <a:defRPr sz="2000" kern="1200">
+        <a:spcAft>
+          <a:spcPts val="300"/>
+        </a:spcAft>
+        <a:buClr>
+          <a:schemeClr val="accent1"/>
+        </a:buClr>
+        <a:buFont typeface="Wingdings 2" pitchFamily="18" charset="2"/>
+        <a:buChar char=""/>
+        <a:defRPr sz="1400" kern="1200">
           <a:solidFill>
-            <a:schemeClr val="tx1"/>
+            <a:schemeClr val="tx1">
+              <a:lumMod val="85000"/>
+              <a:lumOff val="15000"/>
+            </a:schemeClr>
           </a:solidFill>
           <a:latin typeface="+mn-lt"/>
           <a:ea typeface="+mn-ea"/>
           <a:cs typeface="+mn-cs"/>
         </a:defRPr>
       </a:lvl6pPr>
-      <a:lvl7pPr marL="2971800" indent="-228600" algn="l" defTabSz="914400" rtl="0" eaLnBrk="1" latinLnBrk="0" hangingPunct="1">
+      <a:lvl7pPr marL="1900000" indent="-228600" algn="l" defTabSz="914400" rtl="0" eaLnBrk="1" latinLnBrk="0" hangingPunct="1">
+        <a:lnSpc>
+          <a:spcPct val="90000"/>
+        </a:lnSpc>
         <a:spcBef>
-          <a:spcPct val="20000"/>
+          <a:spcPts val="300"/>
         </a:spcBef>
-        <a:buFont typeface="Arial" pitchFamily="34" charset="0"/>
-        <a:buChar char="•"/>
-        <a:defRPr sz="2000" kern="1200">
+        <a:spcAft>
+          <a:spcPts val="300"/>
+        </a:spcAft>
+        <a:buClr>
+          <a:schemeClr val="accent1"/>
+        </a:buClr>
+        <a:buFont typeface="Wingdings 2" pitchFamily="18" charset="2"/>
+        <a:buChar char=""/>
+        <a:defRPr sz="1400" kern="1200">
           <a:solidFill>
-            <a:schemeClr val="tx1"/>
+            <a:schemeClr val="tx1">
+              <a:lumMod val="85000"/>
+              <a:lumOff val="15000"/>
+            </a:schemeClr>
           </a:solidFill>
           <a:latin typeface="+mn-lt"/>
           <a:ea typeface="+mn-ea"/>
           <a:cs typeface="+mn-cs"/>
         </a:defRPr>
       </a:lvl7pPr>
-      <a:lvl8pPr marL="3429000" indent="-228600" algn="l" defTabSz="914400" rtl="0" eaLnBrk="1" latinLnBrk="0" hangingPunct="1">
+      <a:lvl8pPr marL="2200000" indent="-228600" algn="l" defTabSz="914400" rtl="0" eaLnBrk="1" latinLnBrk="0" hangingPunct="1">
+        <a:lnSpc>
+          <a:spcPct val="90000"/>
+        </a:lnSpc>
         <a:spcBef>
-          <a:spcPct val="20000"/>
+          <a:spcPts val="300"/>
         </a:spcBef>
-        <a:buFont typeface="Arial" pitchFamily="34" charset="0"/>
-        <a:buChar char="•"/>
-        <a:defRPr sz="2000" kern="1200">
+        <a:spcAft>
+          <a:spcPts val="300"/>
+        </a:spcAft>
+        <a:buClr>
+          <a:schemeClr val="accent1"/>
+        </a:buClr>
+        <a:buFont typeface="Wingdings 2" pitchFamily="18" charset="2"/>
+        <a:buChar char=""/>
+        <a:defRPr sz="1400" kern="1200">
           <a:solidFill>
-            <a:schemeClr val="tx1"/>
+            <a:schemeClr val="tx1">
+              <a:lumMod val="85000"/>
+              <a:lumOff val="15000"/>
+            </a:schemeClr>
           </a:solidFill>
           <a:latin typeface="+mn-lt"/>
           <a:ea typeface="+mn-ea"/>
           <a:cs typeface="+mn-cs"/>
         </a:defRPr>
       </a:lvl8pPr>
-      <a:lvl9pPr marL="3886200" indent="-228600" algn="l" defTabSz="914400" rtl="0" eaLnBrk="1" latinLnBrk="0" hangingPunct="1">
+      <a:lvl9pPr marL="2500000" indent="-228600" algn="l" defTabSz="914400" rtl="0" eaLnBrk="1" latinLnBrk="0" hangingPunct="1">
+        <a:lnSpc>
+          <a:spcPct val="90000"/>
+        </a:lnSpc>
         <a:spcBef>
-          <a:spcPct val="20000"/>
+          <a:spcPts val="300"/>
         </a:spcBef>
-        <a:buFont typeface="Arial" pitchFamily="34" charset="0"/>
-        <a:buChar char="•"/>
-        <a:defRPr sz="2000" kern="1200">
+        <a:spcAft>
+          <a:spcPts val="300"/>
+        </a:spcAft>
+        <a:buClr>
+          <a:schemeClr val="accent1"/>
+        </a:buClr>
+        <a:buFont typeface="Wingdings 2" pitchFamily="18" charset="2"/>
+        <a:buChar char=""/>
+        <a:defRPr sz="1400" kern="1200">
           <a:solidFill>
-            <a:schemeClr val="tx1"/>
+            <a:schemeClr val="tx1">
+              <a:lumMod val="85000"/>
+              <a:lumOff val="15000"/>
+            </a:schemeClr>
           </a:solidFill>
           <a:latin typeface="+mn-lt"/>
           <a:ea typeface="+mn-ea"/>
@@ -3109,7 +3459,12 @@
             <p:ph type="ctrTitle"/>
           </p:nvPr>
         </p:nvSpPr>
-        <p:spPr/>
+        <p:spPr>
+          <a:xfrm>
+            <a:off x="1600200" y="-139172"/>
+            <a:ext cx="7063740" cy="4041648"/>
+          </a:xfrm>
+        </p:spPr>
         <p:txBody>
           <a:bodyPr/>
           <a:lstStyle/>
@@ -3137,7 +3492,7 @@
         </p:nvSpPr>
         <p:spPr>
           <a:xfrm>
-            <a:off x="0" y="3886200"/>
+            <a:off x="838200" y="4285326"/>
             <a:ext cx="9067800" cy="1752600"/>
           </a:xfrm>
         </p:spPr>
@@ -3175,14 +3530,14 @@
             </a:r>
             <a:r>
               <a:rPr lang="en-US" dirty="0" err="1"/>
-              <a:t>Banforth</a:t>
+              <a:t>Bamforth</a:t>
             </a:r>
             <a:endParaRPr lang="en-US" dirty="0"/>
           </a:p>
           <a:p>
             <a:r>
               <a:rPr lang="en-US" dirty="0"/>
-              <a:t>April 26, 2018</a:t>
+              <a:t>ETA: April 26, 2018</a:t>
             </a:r>
           </a:p>
         </p:txBody>
@@ -3583,8 +3938,8 @@
         </p:blipFill>
         <p:spPr>
           <a:xfrm>
-            <a:off x="6400800" y="1828800"/>
-            <a:ext cx="914400" cy="889054"/>
+            <a:off x="7162800" y="1981200"/>
+            <a:ext cx="783724" cy="762000"/>
           </a:xfrm>
           <a:prstGeom prst="rect">
             <a:avLst/>
@@ -3733,35 +4088,36 @@
           </a:p>
         </p:txBody>
       </p:sp>
-      <p:sp>
-        <p:nvSpPr>
-          <p:cNvPr id="4" name="TextBox 3"/>
-          <p:cNvSpPr txBox="1"/>
+      <p:pic>
+        <p:nvPicPr>
+          <p:cNvPr id="3" name="Picture 2">
+            <a:extLst>
+              <a:ext uri="{FF2B5EF4-FFF2-40B4-BE49-F238E27FC236}">
+                <a16:creationId xmlns:a16="http://schemas.microsoft.com/office/drawing/2014/main" id="{FEFDAA4C-741F-4FCC-BC04-8AFF68C6507A}"/>
+              </a:ext>
+            </a:extLst>
+          </p:cNvPr>
+          <p:cNvPicPr>
+            <a:picLocks noChangeAspect="1"/>
+          </p:cNvPicPr>
           <p:nvPr/>
-        </p:nvSpPr>
+        </p:nvPicPr>
+        <p:blipFill>
+          <a:blip r:embed="rId2"/>
+          <a:stretch>
+            <a:fillRect/>
+          </a:stretch>
+        </p:blipFill>
         <p:spPr>
           <a:xfrm>
-            <a:off x="838200" y="1752600"/>
-            <a:ext cx="7162800" cy="369332"/>
+            <a:off x="1066800" y="1752600"/>
+            <a:ext cx="5943600" cy="4753067"/>
           </a:xfrm>
           <a:prstGeom prst="rect">
             <a:avLst/>
           </a:prstGeom>
-          <a:noFill/>
         </p:spPr>
-        <p:txBody>
-          <a:bodyPr wrap="square" rtlCol="0">
-            <a:spAutoFit/>
-          </a:bodyPr>
-          <a:lstStyle/>
-          <a:p>
-            <a:r>
-              <a:rPr lang="en-US" dirty="0"/>
-              <a:t>&lt;In progress&gt;</a:t>
-            </a:r>
-          </a:p>
-        </p:txBody>
-      </p:sp>
+      </p:pic>
     </p:spTree>
     <p:extLst>
       <p:ext uri="{BB962C8B-B14F-4D97-AF65-F5344CB8AC3E}">
@@ -3988,7 +4344,7 @@
         <p:spPr>
           <a:xfrm>
             <a:off x="838200" y="2057400"/>
-            <a:ext cx="6400800" cy="461665"/>
+            <a:ext cx="6400800" cy="1200329"/>
           </a:xfrm>
           <a:prstGeom prst="rect">
             <a:avLst/>
@@ -4003,7 +4359,7 @@
           <a:p>
             <a:r>
               <a:rPr lang="en-US" sz="2400" dirty="0"/>
-              <a:t>&lt;In progress&gt;</a:t>
+              <a:t>The first steps are made, and the project is in progress. Expected completion – first quart of April to mid April.</a:t>
             </a:r>
           </a:p>
         </p:txBody>
@@ -4106,93 +4462,58 @@
 </file>
 
 <file path=ppt/theme/theme1.xml><?xml version="1.0" encoding="utf-8"?>
-<a:theme xmlns:a="http://schemas.openxmlformats.org/drawingml/2006/main" name="Office Theme">
+<a:theme xmlns:a="http://schemas.openxmlformats.org/drawingml/2006/main" name="View">
   <a:themeElements>
-    <a:clrScheme name="Office">
+    <a:clrScheme name="View">
       <a:dk1>
-        <a:sysClr val="windowText" lastClr="000000"/>
+        <a:srgbClr val="000000"/>
       </a:dk1>
       <a:lt1>
-        <a:sysClr val="window" lastClr="FFFFFF"/>
+        <a:srgbClr val="FFFFFF"/>
       </a:lt1>
       <a:dk2>
-        <a:srgbClr val="1F497D"/>
+        <a:srgbClr val="46464A"/>
       </a:dk2>
       <a:lt2>
-        <a:srgbClr val="EEECE1"/>
+        <a:srgbClr val="D6D3CC"/>
       </a:lt2>
       <a:accent1>
-        <a:srgbClr val="4F81BD"/>
+        <a:srgbClr val="6F6F74"/>
       </a:accent1>
       <a:accent2>
-        <a:srgbClr val="C0504D"/>
+        <a:srgbClr val="92A9B9"/>
       </a:accent2>
       <a:accent3>
-        <a:srgbClr val="9BBB59"/>
+        <a:srgbClr val="A7B789"/>
       </a:accent3>
       <a:accent4>
-        <a:srgbClr val="8064A2"/>
+        <a:srgbClr val="B9A489"/>
       </a:accent4>
       <a:accent5>
-        <a:srgbClr val="4BACC6"/>
+        <a:srgbClr val="8D6374"/>
       </a:accent5>
       <a:accent6>
-        <a:srgbClr val="F79646"/>
+        <a:srgbClr val="9B7362"/>
       </a:accent6>
       <a:hlink>
-        <a:srgbClr val="0000FF"/>
+        <a:srgbClr val="67AABF"/>
       </a:hlink>
       <a:folHlink>
-        <a:srgbClr val="800080"/>
+        <a:srgbClr val="ABAFA5"/>
       </a:folHlink>
     </a:clrScheme>
-    <a:fontScheme name="Office">
+    <a:fontScheme name="View">
       <a:majorFont>
-        <a:latin typeface="Calibri"/>
+        <a:latin typeface="Century Schoolbook" panose="02040604050505020304"/>
         <a:ea typeface=""/>
         <a:cs typeface=""/>
-        <a:font script="Jpan" typeface="ＭＳ Ｐゴシック"/>
+        <a:font script="Jpan" typeface="ＭＳ ゴシック"/>
         <a:font script="Hang" typeface="맑은 고딕"/>
         <a:font script="Hans" typeface="宋体"/>
         <a:font script="Hant" typeface="新細明體"/>
-        <a:font script="Arab" typeface="Times New Roman"/>
-        <a:font script="Hebr" typeface="Times New Roman"/>
-        <a:font script="Thai" typeface="Angsana New"/>
-        <a:font script="Ethi" typeface="Nyala"/>
-        <a:font script="Beng" typeface="Vrinda"/>
-        <a:font script="Gujr" typeface="Shruti"/>
-        <a:font script="Khmr" typeface="MoolBoran"/>
-        <a:font script="Knda" typeface="Tunga"/>
-        <a:font script="Guru" typeface="Raavi"/>
-        <a:font script="Cans" typeface="Euphemia"/>
-        <a:font script="Cher" typeface="Plantagenet Cherokee"/>
-        <a:font script="Yiii" typeface="Microsoft Yi Baiti"/>
-        <a:font script="Tibt" typeface="Microsoft Himalaya"/>
-        <a:font script="Thaa" typeface="MV Boli"/>
-        <a:font script="Deva" typeface="Mangal"/>
-        <a:font script="Telu" typeface="Gautami"/>
-        <a:font script="Taml" typeface="Latha"/>
-        <a:font script="Syrc" typeface="Estrangelo Edessa"/>
-        <a:font script="Orya" typeface="Kalinga"/>
-        <a:font script="Mlym" typeface="Kartika"/>
-        <a:font script="Laoo" typeface="DokChampa"/>
-        <a:font script="Sinh" typeface="Iskoola Pota"/>
-        <a:font script="Mong" typeface="Mongolian Baiti"/>
-        <a:font script="Viet" typeface="Times New Roman"/>
-        <a:font script="Uigh" typeface="Microsoft Uighur"/>
-        <a:font script="Geor" typeface="Sylfaen"/>
-      </a:majorFont>
-      <a:minorFont>
-        <a:latin typeface="Calibri"/>
-        <a:ea typeface=""/>
-        <a:cs typeface=""/>
-        <a:font script="Jpan" typeface="ＭＳ Ｐゴシック"/>
-        <a:font script="Hang" typeface="맑은 고딕"/>
-        <a:font script="Hans" typeface="宋体"/>
-        <a:font script="Hant" typeface="新細明體"/>
-        <a:font script="Arab" typeface="Arial"/>
-        <a:font script="Hebr" typeface="Arial"/>
-        <a:font script="Thai" typeface="Cordia New"/>
+        <a:font script="Arab" typeface="Tahoma"/>
+        <a:font script="Hebr" typeface="Gisha"/>
+        <a:font script="Thai" typeface="DilleniaUPC"/>
         <a:font script="Ethi" typeface="Nyala"/>
         <a:font script="Beng" typeface="Vrinda"/>
         <a:font script="Gujr" typeface="Shruti"/>
@@ -4213,110 +4534,97 @@
         <a:font script="Laoo" typeface="DokChampa"/>
         <a:font script="Sinh" typeface="Iskoola Pota"/>
         <a:font script="Mong" typeface="Mongolian Baiti"/>
-        <a:font script="Viet" typeface="Arial"/>
+        <a:font script="Viet" typeface="Tahoma"/>
+        <a:font script="Uigh" typeface="Microsoft Uighur"/>
+        <a:font script="Geor" typeface="Sylfaen"/>
+      </a:majorFont>
+      <a:minorFont>
+        <a:latin typeface="Century Schoolbook" panose="02040604050505020304"/>
+        <a:ea typeface=""/>
+        <a:cs typeface=""/>
+        <a:font script="Jpan" typeface="ＭＳ ゴシック"/>
+        <a:font script="Hang" typeface="맑은 고딕"/>
+        <a:font script="Hans" typeface="宋体"/>
+        <a:font script="Hant" typeface="新細明體"/>
+        <a:font script="Arab" typeface="Tahoma"/>
+        <a:font script="Hebr" typeface="Gisha"/>
+        <a:font script="Thai" typeface="DilleniaUPC"/>
+        <a:font script="Ethi" typeface="Nyala"/>
+        <a:font script="Beng" typeface="Vrinda"/>
+        <a:font script="Gujr" typeface="Shruti"/>
+        <a:font script="Khmr" typeface="DaunPenh"/>
+        <a:font script="Knda" typeface="Tunga"/>
+        <a:font script="Guru" typeface="Raavi"/>
+        <a:font script="Cans" typeface="Euphemia"/>
+        <a:font script="Cher" typeface="Plantagenet Cherokee"/>
+        <a:font script="Yiii" typeface="Microsoft Yi Baiti"/>
+        <a:font script="Tibt" typeface="Microsoft Himalaya"/>
+        <a:font script="Thaa" typeface="MV Boli"/>
+        <a:font script="Deva" typeface="Mangal"/>
+        <a:font script="Telu" typeface="Gautami"/>
+        <a:font script="Taml" typeface="Latha"/>
+        <a:font script="Syrc" typeface="Estrangelo Edessa"/>
+        <a:font script="Orya" typeface="Kalinga"/>
+        <a:font script="Mlym" typeface="Kartika"/>
+        <a:font script="Laoo" typeface="DokChampa"/>
+        <a:font script="Sinh" typeface="Iskoola Pota"/>
+        <a:font script="Mong" typeface="Mongolian Baiti"/>
+        <a:font script="Viet" typeface="Verdana"/>
         <a:font script="Uigh" typeface="Microsoft Uighur"/>
         <a:font script="Geor" typeface="Sylfaen"/>
       </a:minorFont>
     </a:fontScheme>
-    <a:fmtScheme name="Office">
+    <a:fmtScheme name="View">
       <a:fillStyleLst>
         <a:solidFill>
           <a:schemeClr val="phClr"/>
         </a:solidFill>
-        <a:gradFill rotWithShape="1">
-          <a:gsLst>
-            <a:gs pos="0">
-              <a:schemeClr val="phClr">
-                <a:tint val="50000"/>
-                <a:satMod val="300000"/>
-              </a:schemeClr>
-            </a:gs>
-            <a:gs pos="35000">
-              <a:schemeClr val="phClr">
-                <a:tint val="37000"/>
-                <a:satMod val="300000"/>
-              </a:schemeClr>
-            </a:gs>
-            <a:gs pos="100000">
-              <a:schemeClr val="phClr">
-                <a:tint val="15000"/>
-                <a:satMod val="350000"/>
-              </a:schemeClr>
-            </a:gs>
-          </a:gsLst>
-          <a:lin ang="16200000" scaled="1"/>
-        </a:gradFill>
-        <a:gradFill rotWithShape="1">
-          <a:gsLst>
-            <a:gs pos="0">
-              <a:schemeClr val="phClr">
-                <a:shade val="51000"/>
-                <a:satMod val="130000"/>
-              </a:schemeClr>
-            </a:gs>
-            <a:gs pos="80000">
-              <a:schemeClr val="phClr">
-                <a:shade val="93000"/>
-                <a:satMod val="130000"/>
-              </a:schemeClr>
-            </a:gs>
-            <a:gs pos="100000">
-              <a:schemeClr val="phClr">
-                <a:shade val="94000"/>
-                <a:satMod val="135000"/>
-              </a:schemeClr>
-            </a:gs>
-          </a:gsLst>
-          <a:lin ang="16200000" scaled="0"/>
-        </a:gradFill>
+        <a:solidFill>
+          <a:schemeClr val="phClr">
+            <a:tint val="60000"/>
+            <a:satMod val="120000"/>
+          </a:schemeClr>
+        </a:solidFill>
+        <a:solidFill>
+          <a:schemeClr val="phClr">
+            <a:shade val="75000"/>
+            <a:satMod val="160000"/>
+          </a:schemeClr>
+        </a:solidFill>
       </a:fillStyleLst>
       <a:lnStyleLst>
         <a:ln w="9525" cap="flat" cmpd="sng" algn="ctr">
-          <a:solidFill>
-            <a:schemeClr val="phClr">
-              <a:shade val="95000"/>
-              <a:satMod val="105000"/>
-            </a:schemeClr>
-          </a:solidFill>
-          <a:prstDash val="solid"/>
-        </a:ln>
-        <a:ln w="25400" cap="flat" cmpd="sng" algn="ctr">
           <a:solidFill>
             <a:schemeClr val="phClr"/>
           </a:solidFill>
           <a:prstDash val="solid"/>
         </a:ln>
-        <a:ln w="38100" cap="flat" cmpd="sng" algn="ctr">
+        <a:ln w="13970" cap="flat" cmpd="sng" algn="ctr">
           <a:solidFill>
             <a:schemeClr val="phClr"/>
+          </a:solidFill>
+          <a:prstDash val="solid"/>
+        </a:ln>
+        <a:ln w="17145" cap="flat" cmpd="sng" algn="ctr">
+          <a:solidFill>
+            <a:schemeClr val="phClr">
+              <a:shade val="95000"/>
+              <a:alpha val="95000"/>
+              <a:satMod val="150000"/>
+            </a:schemeClr>
           </a:solidFill>
           <a:prstDash val="solid"/>
         </a:ln>
       </a:lnStyleLst>
       <a:effectStyleLst>
         <a:effectStyle>
-          <a:effectLst>
-            <a:outerShdw blurRad="40000" dist="20000" dir="5400000" rotWithShape="0">
-              <a:srgbClr val="000000">
-                <a:alpha val="38000"/>
-              </a:srgbClr>
-            </a:outerShdw>
-          </a:effectLst>
+          <a:effectLst/>
         </a:effectStyle>
         <a:effectStyle>
           <a:effectLst>
-            <a:outerShdw blurRad="40000" dist="23000" dir="5400000" rotWithShape="0">
+            <a:outerShdw blurRad="50800" dist="15240" dir="5400000" algn="tl" rotWithShape="0">
               <a:srgbClr val="000000">
-                <a:alpha val="35000"/>
-              </a:srgbClr>
-            </a:outerShdw>
-          </a:effectLst>
-        </a:effectStyle>
-        <a:effectStyle>
-          <a:effectLst>
-            <a:outerShdw blurRad="40000" dist="23000" dir="5400000" rotWithShape="0">
-              <a:srgbClr val="000000">
-                <a:alpha val="35000"/>
+                <a:alpha val="75000"/>
               </a:srgbClr>
             </a:outerShdw>
           </a:effectLst>
@@ -4324,12 +4632,40 @@
             <a:camera prst="orthographicFront">
               <a:rot lat="0" lon="0" rev="0"/>
             </a:camera>
-            <a:lightRig rig="threePt" dir="t">
-              <a:rot lat="0" lon="0" rev="1200000"/>
-            </a:lightRig>
+            <a:lightRig rig="brightRoom" dir="tl"/>
           </a:scene3d>
-          <a:sp3d>
-            <a:bevelT w="63500" h="25400"/>
+          <a:sp3d contourW="9525" prstMaterial="flat">
+            <a:bevelT w="0" h="0" prst="coolSlant"/>
+            <a:contourClr>
+              <a:schemeClr val="phClr">
+                <a:shade val="35000"/>
+                <a:satMod val="130000"/>
+              </a:schemeClr>
+            </a:contourClr>
+          </a:sp3d>
+        </a:effectStyle>
+        <a:effectStyle>
+          <a:effectLst>
+            <a:outerShdw blurRad="76200" dist="25400" dir="5400000" algn="tl" rotWithShape="0">
+              <a:srgbClr val="000000">
+                <a:alpha val="55000"/>
+              </a:srgbClr>
+            </a:outerShdw>
+          </a:effectLst>
+          <a:scene3d>
+            <a:camera prst="orthographicFront">
+              <a:rot lat="0" lon="0" rev="0"/>
+            </a:camera>
+            <a:lightRig rig="brightRoom" dir="tl"/>
+          </a:scene3d>
+          <a:sp3d contourW="19050" prstMaterial="flat">
+            <a:bevelT w="0" h="0" prst="coolSlant"/>
+            <a:contourClr>
+              <a:schemeClr val="phClr">
+                <a:shade val="25000"/>
+                <a:satMod val="140000"/>
+              </a:schemeClr>
+            </a:contourClr>
           </a:sp3d>
         </a:effectStyle>
       </a:effectStyleLst>
@@ -4337,49 +4673,32 @@
         <a:solidFill>
           <a:schemeClr val="phClr"/>
         </a:solidFill>
+        <a:solidFill>
+          <a:schemeClr val="phClr">
+            <a:tint val="95000"/>
+            <a:satMod val="170000"/>
+          </a:schemeClr>
+        </a:solidFill>
         <a:gradFill rotWithShape="1">
           <a:gsLst>
             <a:gs pos="0">
               <a:schemeClr val="phClr">
-                <a:tint val="40000"/>
-                <a:satMod val="350000"/>
-              </a:schemeClr>
-            </a:gs>
-            <a:gs pos="40000">
-              <a:schemeClr val="phClr">
-                <a:tint val="45000"/>
-                <a:shade val="99000"/>
-                <a:satMod val="350000"/>
+                <a:tint val="94000"/>
+                <a:shade val="98000"/>
+                <a:satMod val="130000"/>
+                <a:lumMod val="102000"/>
               </a:schemeClr>
             </a:gs>
             <a:gs pos="100000">
               <a:schemeClr val="phClr">
-                <a:shade val="20000"/>
-                <a:satMod val="255000"/>
+                <a:tint val="98000"/>
+                <a:shade val="78000"/>
+                <a:satMod val="140000"/>
               </a:schemeClr>
             </a:gs>
           </a:gsLst>
           <a:path path="circle">
-            <a:fillToRect l="50000" t="-80000" r="50000" b="180000"/>
-          </a:path>
-        </a:gradFill>
-        <a:gradFill rotWithShape="1">
-          <a:gsLst>
-            <a:gs pos="0">
-              <a:schemeClr val="phClr">
-                <a:tint val="80000"/>
-                <a:satMod val="300000"/>
-              </a:schemeClr>
-            </a:gs>
-            <a:gs pos="100000">
-              <a:schemeClr val="phClr">
-                <a:shade val="30000"/>
-                <a:satMod val="200000"/>
-              </a:schemeClr>
-            </a:gs>
-          </a:gsLst>
-          <a:path path="circle">
-            <a:fillToRect l="50000" t="50000" r="50000" b="50000"/>
+            <a:fillToRect l="100000" t="100000" r="100000" b="100000"/>
           </a:path>
         </a:gradFill>
       </a:bgFillStyleLst>
@@ -4387,5 +4706,10 @@
   </a:themeElements>
   <a:objectDefaults/>
   <a:extraClrSchemeLst/>
+  <a:extLst>
+    <a:ext uri="{05A4C25C-085E-4340-85A3-A5531E510DB2}">
+      <thm15:themeFamily xmlns:thm15="http://schemas.microsoft.com/office/thememl/2012/main" name="View" id="{BA0EB5A6-F2D4-4F82-977B-64ADEE4A2A69}" vid="{3969A8A2-35DB-4E3B-8885-16FD20568674}"/>
+    </a:ext>
+  </a:extLst>
 </a:theme>
 </file>